--- a/MONITORAMENTO/Documentação/PPTs/Cold Stock Apresentação - Sprint 3.pptx
+++ b/MONITORAMENTO/Documentação/PPTs/Cold Stock Apresentação - Sprint 3.pptx
@@ -26123,49 +26123,6 @@
           </a:prstGeom>
         </p:spPr>
       </p:pic>
-      <p:cxnSp>
-        <p:nvCxnSpPr>
-          <p:cNvPr id="59" name="Conector reto 9">
-            <a:extLst>
-              <a:ext uri="{FF2B5EF4-FFF2-40B4-BE49-F238E27FC236}">
-                <a16:creationId xmlns:a16="http://schemas.microsoft.com/office/drawing/2014/main" id="{E1D0C1DC-EC08-4412-83BD-08B6A61D4C9E}"/>
-              </a:ext>
-            </a:extLst>
-          </p:cNvPr>
-          <p:cNvCxnSpPr>
-            <a:cxnSpLocks/>
-          </p:cNvCxnSpPr>
-          <p:nvPr/>
-        </p:nvCxnSpPr>
-        <p:spPr>
-          <a:xfrm flipV="1">
-            <a:off x="-2201047" y="3624295"/>
-            <a:ext cx="2201047" cy="15314"/>
-          </a:xfrm>
-          <a:prstGeom prst="line">
-            <a:avLst/>
-          </a:prstGeom>
-          <a:ln w="38100">
-            <a:solidFill>
-              <a:srgbClr val="2B7A78"/>
-            </a:solidFill>
-          </a:ln>
-        </p:spPr>
-        <p:style>
-          <a:lnRef idx="1">
-            <a:schemeClr val="accent1"/>
-          </a:lnRef>
-          <a:fillRef idx="0">
-            <a:schemeClr val="accent1"/>
-          </a:fillRef>
-          <a:effectRef idx="0">
-            <a:schemeClr val="accent1"/>
-          </a:effectRef>
-          <a:fontRef idx="minor">
-            <a:schemeClr val="tx1"/>
-          </a:fontRef>
-        </p:style>
-      </p:cxnSp>
       <p:grpSp>
         <p:nvGrpSpPr>
           <p:cNvPr id="60" name="Agrupar 17">
@@ -27086,6 +27043,41 @@
           </a:prstGeom>
         </p:spPr>
       </p:pic>
+      <p:pic>
+        <p:nvPicPr>
+          <p:cNvPr id="32" name="Imagem 1">
+            <a:extLst>
+              <a:ext uri="{FF2B5EF4-FFF2-40B4-BE49-F238E27FC236}">
+                <a16:creationId xmlns:a16="http://schemas.microsoft.com/office/drawing/2014/main" id="{35F0807A-86E1-4838-9772-9DABCED251C7}"/>
+              </a:ext>
+            </a:extLst>
+          </p:cNvPr>
+          <p:cNvPicPr>
+            <a:picLocks noChangeAspect="1"/>
+          </p:cNvPicPr>
+          <p:nvPr/>
+        </p:nvPicPr>
+        <p:blipFill>
+          <a:blip r:embed="rId9" cstate="print">
+            <a:extLst>
+              <a:ext uri="{28A0092B-C50C-407E-A947-70E740481C1C}">
+                <a14:useLocalDpi xmlns:a14="http://schemas.microsoft.com/office/drawing/2010/main" val="0"/>
+              </a:ext>
+            </a:extLst>
+          </a:blip>
+          <a:srcRect/>
+          <a:stretch/>
+        </p:blipFill>
+        <p:spPr>
+          <a:xfrm>
+            <a:off x="189421" y="943435"/>
+            <a:ext cx="5547933" cy="5547933"/>
+          </a:xfrm>
+          <a:prstGeom prst="rect">
+            <a:avLst/>
+          </a:prstGeom>
+        </p:spPr>
+      </p:pic>
     </p:spTree>
     <p:extLst>
       <p:ext uri="{BB962C8B-B14F-4D97-AF65-F5344CB8AC3E}">
@@ -27372,7 +27364,7 @@
                             </p:stCondLst>
                             <p:childTnLst>
                               <p:par>
-                                <p:cTn id="21" presetID="10" presetClass="entr" presetSubtype="0" fill="hold" nodeType="afterEffect">
+                                <p:cTn id="21" presetID="42" presetClass="entr" presetSubtype="0" fill="hold" nodeType="afterEffect">
                                   <p:stCondLst>
                                     <p:cond delay="0"/>
                                   </p:stCondLst>
@@ -27385,7 +27377,7 @@
                                           </p:stCondLst>
                                         </p:cTn>
                                         <p:tgtEl>
-                                          <p:spTgt spid="58"/>
+                                          <p:spTgt spid="32"/>
                                         </p:tgtEl>
                                         <p:attrNameLst>
                                           <p:attrName>style.visibility</p:attrName>
@@ -27397,92 +27389,17 @@
                                     </p:set>
                                     <p:animEffect transition="in" filter="fade">
                                       <p:cBhvr>
-                                        <p:cTn id="23" dur="500"/>
-                                        <p:tgtEl>
-                                          <p:spTgt spid="58"/>
-                                        </p:tgtEl>
-                                      </p:cBhvr>
-                                    </p:animEffect>
-                                  </p:childTnLst>
-                                </p:cTn>
-                              </p:par>
-                              <p:par>
-                                <p:cTn id="24" presetID="63" presetClass="path" presetSubtype="0" accel="50000" decel="50000" fill="hold" nodeType="withEffect">
-                                  <p:stCondLst>
-                                    <p:cond delay="0"/>
-                                  </p:stCondLst>
-                                  <p:childTnLst>
-                                    <p:animMotion origin="layout" path="M -0.1155 -0.39097 L 0.59023 -0.39213 " pathEditMode="relative" rAng="0" ptsTypes="AA">
-                                      <p:cBhvr>
-                                        <p:cTn id="25" dur="1500" fill="hold"/>
-                                        <p:tgtEl>
-                                          <p:spTgt spid="59"/>
-                                        </p:tgtEl>
-                                        <p:attrNameLst>
-                                          <p:attrName>ppt_x</p:attrName>
-                                          <p:attrName>ppt_y</p:attrName>
-                                        </p:attrNameLst>
-                                      </p:cBhvr>
-                                      <p:rCtr x="35286" y="-69"/>
-                                    </p:animMotion>
-                                  </p:childTnLst>
-                                </p:cTn>
-                              </p:par>
-                            </p:childTnLst>
-                          </p:cTn>
-                        </p:par>
-                      </p:childTnLst>
-                    </p:cTn>
-                  </p:par>
-                  <p:par>
-                    <p:cTn id="26" fill="hold">
-                      <p:stCondLst>
-                        <p:cond delay="indefinite"/>
-                      </p:stCondLst>
-                      <p:childTnLst>
-                        <p:par>
-                          <p:cTn id="27" fill="hold">
-                            <p:stCondLst>
-                              <p:cond delay="0"/>
-                            </p:stCondLst>
-                            <p:childTnLst>
-                              <p:par>
-                                <p:cTn id="28" presetID="42" presetClass="entr" presetSubtype="0" fill="hold" nodeType="clickEffect">
-                                  <p:stCondLst>
-                                    <p:cond delay="0"/>
-                                  </p:stCondLst>
-                                  <p:childTnLst>
-                                    <p:set>
-                                      <p:cBhvr>
-                                        <p:cTn id="29" dur="1" fill="hold">
-                                          <p:stCondLst>
-                                            <p:cond delay="0"/>
-                                          </p:stCondLst>
-                                        </p:cTn>
-                                        <p:tgtEl>
-                                          <p:spTgt spid="64"/>
-                                        </p:tgtEl>
-                                        <p:attrNameLst>
-                                          <p:attrName>style.visibility</p:attrName>
-                                        </p:attrNameLst>
-                                      </p:cBhvr>
-                                      <p:to>
-                                        <p:strVal val="visible"/>
-                                      </p:to>
-                                    </p:set>
-                                    <p:animEffect transition="in" filter="fade">
-                                      <p:cBhvr>
-                                        <p:cTn id="30" dur="500"/>
-                                        <p:tgtEl>
-                                          <p:spTgt spid="64"/>
+                                        <p:cTn id="23" dur="1000"/>
+                                        <p:tgtEl>
+                                          <p:spTgt spid="32"/>
                                         </p:tgtEl>
                                       </p:cBhvr>
                                     </p:animEffect>
                                     <p:anim calcmode="lin" valueType="num">
                                       <p:cBhvr>
-                                        <p:cTn id="31" dur="500" fill="hold"/>
-                                        <p:tgtEl>
-                                          <p:spTgt spid="64"/>
+                                        <p:cTn id="24" dur="1000" fill="hold"/>
+                                        <p:tgtEl>
+                                          <p:spTgt spid="32"/>
                                         </p:tgtEl>
                                         <p:attrNameLst>
                                           <p:attrName>ppt_x</p:attrName>
@@ -27503,9 +27420,9 @@
                                     </p:anim>
                                     <p:anim calcmode="lin" valueType="num">
                                       <p:cBhvr>
-                                        <p:cTn id="32" dur="500" fill="hold"/>
-                                        <p:tgtEl>
-                                          <p:spTgt spid="64"/>
+                                        <p:cTn id="25" dur="1000" fill="hold"/>
+                                        <p:tgtEl>
+                                          <p:spTgt spid="32"/>
                                         </p:tgtEl>
                                         <p:attrNameLst>
                                           <p:attrName>ppt_y</p:attrName>
@@ -27531,26 +27448,26 @@
                           </p:cTn>
                         </p:par>
                         <p:par>
-                          <p:cTn id="33" fill="hold">
+                          <p:cTn id="26" fill="hold">
                             <p:stCondLst>
-                              <p:cond delay="500"/>
+                              <p:cond delay="1500"/>
                             </p:stCondLst>
                             <p:childTnLst>
                               <p:par>
-                                <p:cTn id="34" presetID="17" presetClass="entr" presetSubtype="10" fill="hold" nodeType="afterEffect">
+                                <p:cTn id="27" presetID="10" presetClass="entr" presetSubtype="0" fill="hold" nodeType="afterEffect">
                                   <p:stCondLst>
                                     <p:cond delay="0"/>
                                   </p:stCondLst>
                                   <p:childTnLst>
                                     <p:set>
                                       <p:cBhvr>
-                                        <p:cTn id="35" dur="1" fill="hold">
+                                        <p:cTn id="28" dur="1" fill="hold">
                                           <p:stCondLst>
                                             <p:cond delay="0"/>
                                           </p:stCondLst>
                                         </p:cTn>
                                         <p:tgtEl>
-                                          <p:spTgt spid="60"/>
+                                          <p:spTgt spid="58"/>
                                         </p:tgtEl>
                                         <p:attrNameLst>
                                           <p:attrName>style.visibility</p:attrName>
@@ -27560,139 +27477,11 @@
                                         <p:strVal val="visible"/>
                                       </p:to>
                                     </p:set>
-                                    <p:anim calcmode="lin" valueType="num">
-                                      <p:cBhvr>
-                                        <p:cTn id="36" dur="500" fill="hold"/>
-                                        <p:tgtEl>
-                                          <p:spTgt spid="60"/>
-                                        </p:tgtEl>
-                                        <p:attrNameLst>
-                                          <p:attrName>ppt_w</p:attrName>
-                                        </p:attrNameLst>
-                                      </p:cBhvr>
-                                      <p:tavLst>
-                                        <p:tav tm="0">
-                                          <p:val>
-                                            <p:fltVal val="0"/>
-                                          </p:val>
-                                        </p:tav>
-                                        <p:tav tm="100000">
-                                          <p:val>
-                                            <p:strVal val="#ppt_w"/>
-                                          </p:val>
-                                        </p:tav>
-                                      </p:tavLst>
-                                    </p:anim>
-                                    <p:anim calcmode="lin" valueType="num">
-                                      <p:cBhvr>
-                                        <p:cTn id="37" dur="500" fill="hold"/>
-                                        <p:tgtEl>
-                                          <p:spTgt spid="60"/>
-                                        </p:tgtEl>
-                                        <p:attrNameLst>
-                                          <p:attrName>ppt_h</p:attrName>
-                                        </p:attrNameLst>
-                                      </p:cBhvr>
-                                      <p:tavLst>
-                                        <p:tav tm="0">
-                                          <p:val>
-                                            <p:strVal val="#ppt_h"/>
-                                          </p:val>
-                                        </p:tav>
-                                        <p:tav tm="100000">
-                                          <p:val>
-                                            <p:strVal val="#ppt_h"/>
-                                          </p:val>
-                                        </p:tav>
-                                      </p:tavLst>
-                                    </p:anim>
-                                  </p:childTnLst>
-                                </p:cTn>
-                              </p:par>
-                            </p:childTnLst>
-                          </p:cTn>
-                        </p:par>
-                        <p:par>
-                          <p:cTn id="38" fill="hold">
-                            <p:stCondLst>
-                              <p:cond delay="1000"/>
-                            </p:stCondLst>
-                            <p:childTnLst>
-                              <p:par>
-                                <p:cTn id="39" presetID="53" presetClass="entr" presetSubtype="16" fill="hold" grpId="0" nodeType="afterEffect">
-                                  <p:stCondLst>
-                                    <p:cond delay="0"/>
-                                  </p:stCondLst>
-                                  <p:childTnLst>
-                                    <p:set>
-                                      <p:cBhvr>
-                                        <p:cTn id="40" dur="1" fill="hold">
-                                          <p:stCondLst>
-                                            <p:cond delay="0"/>
-                                          </p:stCondLst>
-                                        </p:cTn>
-                                        <p:tgtEl>
-                                          <p:spTgt spid="63"/>
-                                        </p:tgtEl>
-                                        <p:attrNameLst>
-                                          <p:attrName>style.visibility</p:attrName>
-                                        </p:attrNameLst>
-                                      </p:cBhvr>
-                                      <p:to>
-                                        <p:strVal val="visible"/>
-                                      </p:to>
-                                    </p:set>
-                                    <p:anim calcmode="lin" valueType="num">
-                                      <p:cBhvr>
-                                        <p:cTn id="41" dur="500" fill="hold"/>
-                                        <p:tgtEl>
-                                          <p:spTgt spid="63"/>
-                                        </p:tgtEl>
-                                        <p:attrNameLst>
-                                          <p:attrName>ppt_w</p:attrName>
-                                        </p:attrNameLst>
-                                      </p:cBhvr>
-                                      <p:tavLst>
-                                        <p:tav tm="0">
-                                          <p:val>
-                                            <p:fltVal val="0"/>
-                                          </p:val>
-                                        </p:tav>
-                                        <p:tav tm="100000">
-                                          <p:val>
-                                            <p:strVal val="#ppt_w"/>
-                                          </p:val>
-                                        </p:tav>
-                                      </p:tavLst>
-                                    </p:anim>
-                                    <p:anim calcmode="lin" valueType="num">
-                                      <p:cBhvr>
-                                        <p:cTn id="42" dur="500" fill="hold"/>
-                                        <p:tgtEl>
-                                          <p:spTgt spid="63"/>
-                                        </p:tgtEl>
-                                        <p:attrNameLst>
-                                          <p:attrName>ppt_h</p:attrName>
-                                        </p:attrNameLst>
-                                      </p:cBhvr>
-                                      <p:tavLst>
-                                        <p:tav tm="0">
-                                          <p:val>
-                                            <p:fltVal val="0"/>
-                                          </p:val>
-                                        </p:tav>
-                                        <p:tav tm="100000">
-                                          <p:val>
-                                            <p:strVal val="#ppt_h"/>
-                                          </p:val>
-                                        </p:tav>
-                                      </p:tavLst>
-                                    </p:anim>
                                     <p:animEffect transition="in" filter="fade">
                                       <p:cBhvr>
-                                        <p:cTn id="43" dur="500"/>
-                                        <p:tgtEl>
-                                          <p:spTgt spid="63"/>
+                                        <p:cTn id="29" dur="500"/>
+                                        <p:tgtEl>
+                                          <p:spTgt spid="58"/>
                                         </p:tgtEl>
                                       </p:cBhvr>
                                     </p:animEffect>
@@ -27706,32 +27495,32 @@
                     </p:cTn>
                   </p:par>
                   <p:par>
-                    <p:cTn id="44" fill="hold">
+                    <p:cTn id="30" fill="hold">
                       <p:stCondLst>
                         <p:cond delay="indefinite"/>
                       </p:stCondLst>
                       <p:childTnLst>
                         <p:par>
-                          <p:cTn id="45" fill="hold">
+                          <p:cTn id="31" fill="hold">
                             <p:stCondLst>
                               <p:cond delay="0"/>
                             </p:stCondLst>
                             <p:childTnLst>
                               <p:par>
-                                <p:cTn id="46" presetID="42" presetClass="entr" presetSubtype="0" fill="hold" nodeType="clickEffect">
+                                <p:cTn id="32" presetID="42" presetClass="entr" presetSubtype="0" fill="hold" nodeType="clickEffect">
                                   <p:stCondLst>
                                     <p:cond delay="0"/>
                                   </p:stCondLst>
                                   <p:childTnLst>
                                     <p:set>
                                       <p:cBhvr>
-                                        <p:cTn id="47" dur="1" fill="hold">
+                                        <p:cTn id="33" dur="1" fill="hold">
                                           <p:stCondLst>
                                             <p:cond delay="0"/>
                                           </p:stCondLst>
                                         </p:cTn>
                                         <p:tgtEl>
-                                          <p:spTgt spid="71"/>
+                                          <p:spTgt spid="64"/>
                                         </p:tgtEl>
                                         <p:attrNameLst>
                                           <p:attrName>style.visibility</p:attrName>
@@ -27743,17 +27532,17 @@
                                     </p:set>
                                     <p:animEffect transition="in" filter="fade">
                                       <p:cBhvr>
-                                        <p:cTn id="48" dur="500"/>
-                                        <p:tgtEl>
-                                          <p:spTgt spid="71"/>
+                                        <p:cTn id="34" dur="500"/>
+                                        <p:tgtEl>
+                                          <p:spTgt spid="64"/>
                                         </p:tgtEl>
                                       </p:cBhvr>
                                     </p:animEffect>
                                     <p:anim calcmode="lin" valueType="num">
                                       <p:cBhvr>
-                                        <p:cTn id="49" dur="500" fill="hold"/>
-                                        <p:tgtEl>
-                                          <p:spTgt spid="71"/>
+                                        <p:cTn id="35" dur="500" fill="hold"/>
+                                        <p:tgtEl>
+                                          <p:spTgt spid="64"/>
                                         </p:tgtEl>
                                         <p:attrNameLst>
                                           <p:attrName>ppt_x</p:attrName>
@@ -27774,9 +27563,9 @@
                                     </p:anim>
                                     <p:anim calcmode="lin" valueType="num">
                                       <p:cBhvr>
-                                        <p:cTn id="50" dur="500" fill="hold"/>
-                                        <p:tgtEl>
-                                          <p:spTgt spid="71"/>
+                                        <p:cTn id="36" dur="500" fill="hold"/>
+                                        <p:tgtEl>
+                                          <p:spTgt spid="64"/>
                                         </p:tgtEl>
                                         <p:attrNameLst>
                                           <p:attrName>ppt_y</p:attrName>
@@ -27802,26 +27591,26 @@
                           </p:cTn>
                         </p:par>
                         <p:par>
-                          <p:cTn id="51" fill="hold">
+                          <p:cTn id="37" fill="hold">
                             <p:stCondLst>
                               <p:cond delay="500"/>
                             </p:stCondLst>
                             <p:childTnLst>
                               <p:par>
-                                <p:cTn id="52" presetID="17" presetClass="entr" presetSubtype="10" fill="hold" nodeType="afterEffect">
+                                <p:cTn id="38" presetID="17" presetClass="entr" presetSubtype="10" fill="hold" nodeType="afterEffect">
                                   <p:stCondLst>
                                     <p:cond delay="0"/>
                                   </p:stCondLst>
                                   <p:childTnLst>
                                     <p:set>
                                       <p:cBhvr>
-                                        <p:cTn id="53" dur="1" fill="hold">
+                                        <p:cTn id="39" dur="1" fill="hold">
                                           <p:stCondLst>
                                             <p:cond delay="0"/>
                                           </p:stCondLst>
                                         </p:cTn>
                                         <p:tgtEl>
-                                          <p:spTgt spid="67"/>
+                                          <p:spTgt spid="60"/>
                                         </p:tgtEl>
                                         <p:attrNameLst>
                                           <p:attrName>style.visibility</p:attrName>
@@ -27833,9 +27622,9 @@
                                     </p:set>
                                     <p:anim calcmode="lin" valueType="num">
                                       <p:cBhvr>
-                                        <p:cTn id="54" dur="500" fill="hold"/>
-                                        <p:tgtEl>
-                                          <p:spTgt spid="67"/>
+                                        <p:cTn id="40" dur="500" fill="hold"/>
+                                        <p:tgtEl>
+                                          <p:spTgt spid="60"/>
                                         </p:tgtEl>
                                         <p:attrNameLst>
                                           <p:attrName>ppt_w</p:attrName>
@@ -27856,9 +27645,9 @@
                                     </p:anim>
                                     <p:anim calcmode="lin" valueType="num">
                                       <p:cBhvr>
-                                        <p:cTn id="55" dur="500" fill="hold"/>
-                                        <p:tgtEl>
-                                          <p:spTgt spid="67"/>
+                                        <p:cTn id="41" dur="500" fill="hold"/>
+                                        <p:tgtEl>
+                                          <p:spTgt spid="60"/>
                                         </p:tgtEl>
                                         <p:attrNameLst>
                                           <p:attrName>ppt_h</p:attrName>
@@ -27884,26 +27673,26 @@
                           </p:cTn>
                         </p:par>
                         <p:par>
-                          <p:cTn id="56" fill="hold">
+                          <p:cTn id="42" fill="hold">
                             <p:stCondLst>
                               <p:cond delay="1000"/>
                             </p:stCondLst>
                             <p:childTnLst>
                               <p:par>
-                                <p:cTn id="57" presetID="53" presetClass="entr" presetSubtype="16" fill="hold" grpId="0" nodeType="afterEffect">
+                                <p:cTn id="43" presetID="53" presetClass="entr" presetSubtype="16" fill="hold" grpId="0" nodeType="afterEffect">
                                   <p:stCondLst>
                                     <p:cond delay="0"/>
                                   </p:stCondLst>
                                   <p:childTnLst>
                                     <p:set>
                                       <p:cBhvr>
-                                        <p:cTn id="58" dur="1" fill="hold">
+                                        <p:cTn id="44" dur="1" fill="hold">
                                           <p:stCondLst>
                                             <p:cond delay="0"/>
                                           </p:stCondLst>
                                         </p:cTn>
                                         <p:tgtEl>
-                                          <p:spTgt spid="70"/>
+                                          <p:spTgt spid="63"/>
                                         </p:tgtEl>
                                         <p:attrNameLst>
                                           <p:attrName>style.visibility</p:attrName>
@@ -27915,9 +27704,9 @@
                                     </p:set>
                                     <p:anim calcmode="lin" valueType="num">
                                       <p:cBhvr>
-                                        <p:cTn id="59" dur="500" fill="hold"/>
-                                        <p:tgtEl>
-                                          <p:spTgt spid="70"/>
+                                        <p:cTn id="45" dur="500" fill="hold"/>
+                                        <p:tgtEl>
+                                          <p:spTgt spid="63"/>
                                         </p:tgtEl>
                                         <p:attrNameLst>
                                           <p:attrName>ppt_w</p:attrName>
@@ -27938,9 +27727,9 @@
                                     </p:anim>
                                     <p:anim calcmode="lin" valueType="num">
                                       <p:cBhvr>
-                                        <p:cTn id="60" dur="500" fill="hold"/>
-                                        <p:tgtEl>
-                                          <p:spTgt spid="70"/>
+                                        <p:cTn id="46" dur="500" fill="hold"/>
+                                        <p:tgtEl>
+                                          <p:spTgt spid="63"/>
                                         </p:tgtEl>
                                         <p:attrNameLst>
                                           <p:attrName>ppt_h</p:attrName>
@@ -27961,9 +27750,9 @@
                                     </p:anim>
                                     <p:animEffect transition="in" filter="fade">
                                       <p:cBhvr>
-                                        <p:cTn id="61" dur="500"/>
-                                        <p:tgtEl>
-                                          <p:spTgt spid="70"/>
+                                        <p:cTn id="47" dur="500"/>
+                                        <p:tgtEl>
+                                          <p:spTgt spid="63"/>
                                         </p:tgtEl>
                                       </p:cBhvr>
                                     </p:animEffect>
@@ -27977,32 +27766,32 @@
                     </p:cTn>
                   </p:par>
                   <p:par>
-                    <p:cTn id="62" fill="hold">
+                    <p:cTn id="48" fill="hold">
                       <p:stCondLst>
                         <p:cond delay="indefinite"/>
                       </p:stCondLst>
                       <p:childTnLst>
                         <p:par>
-                          <p:cTn id="63" fill="hold">
+                          <p:cTn id="49" fill="hold">
                             <p:stCondLst>
                               <p:cond delay="0"/>
                             </p:stCondLst>
                             <p:childTnLst>
                               <p:par>
-                                <p:cTn id="64" presetID="42" presetClass="entr" presetSubtype="0" fill="hold" nodeType="clickEffect">
+                                <p:cTn id="50" presetID="42" presetClass="entr" presetSubtype="0" fill="hold" nodeType="clickEffect">
                                   <p:stCondLst>
                                     <p:cond delay="0"/>
                                   </p:stCondLst>
                                   <p:childTnLst>
                                     <p:set>
                                       <p:cBhvr>
-                                        <p:cTn id="65" dur="1" fill="hold">
+                                        <p:cTn id="51" dur="1" fill="hold">
                                           <p:stCondLst>
                                             <p:cond delay="0"/>
                                           </p:stCondLst>
                                         </p:cTn>
                                         <p:tgtEl>
-                                          <p:spTgt spid="78"/>
+                                          <p:spTgt spid="71"/>
                                         </p:tgtEl>
                                         <p:attrNameLst>
                                           <p:attrName>style.visibility</p:attrName>
@@ -28014,17 +27803,17 @@
                                     </p:set>
                                     <p:animEffect transition="in" filter="fade">
                                       <p:cBhvr>
-                                        <p:cTn id="66" dur="500"/>
-                                        <p:tgtEl>
-                                          <p:spTgt spid="78"/>
+                                        <p:cTn id="52" dur="500"/>
+                                        <p:tgtEl>
+                                          <p:spTgt spid="71"/>
                                         </p:tgtEl>
                                       </p:cBhvr>
                                     </p:animEffect>
                                     <p:anim calcmode="lin" valueType="num">
                                       <p:cBhvr>
-                                        <p:cTn id="67" dur="500" fill="hold"/>
-                                        <p:tgtEl>
-                                          <p:spTgt spid="78"/>
+                                        <p:cTn id="53" dur="500" fill="hold"/>
+                                        <p:tgtEl>
+                                          <p:spTgt spid="71"/>
                                         </p:tgtEl>
                                         <p:attrNameLst>
                                           <p:attrName>ppt_x</p:attrName>
@@ -28045,9 +27834,9 @@
                                     </p:anim>
                                     <p:anim calcmode="lin" valueType="num">
                                       <p:cBhvr>
-                                        <p:cTn id="68" dur="500" fill="hold"/>
-                                        <p:tgtEl>
-                                          <p:spTgt spid="78"/>
+                                        <p:cTn id="54" dur="500" fill="hold"/>
+                                        <p:tgtEl>
+                                          <p:spTgt spid="71"/>
                                         </p:tgtEl>
                                         <p:attrNameLst>
                                           <p:attrName>ppt_y</p:attrName>
@@ -28073,26 +27862,26 @@
                           </p:cTn>
                         </p:par>
                         <p:par>
-                          <p:cTn id="69" fill="hold">
+                          <p:cTn id="55" fill="hold">
                             <p:stCondLst>
                               <p:cond delay="500"/>
                             </p:stCondLst>
                             <p:childTnLst>
                               <p:par>
-                                <p:cTn id="70" presetID="17" presetClass="entr" presetSubtype="10" fill="hold" nodeType="afterEffect">
+                                <p:cTn id="56" presetID="17" presetClass="entr" presetSubtype="10" fill="hold" nodeType="afterEffect">
                                   <p:stCondLst>
                                     <p:cond delay="0"/>
                                   </p:stCondLst>
                                   <p:childTnLst>
                                     <p:set>
                                       <p:cBhvr>
-                                        <p:cTn id="71" dur="1" fill="hold">
+                                        <p:cTn id="57" dur="1" fill="hold">
                                           <p:stCondLst>
                                             <p:cond delay="0"/>
                                           </p:stCondLst>
                                         </p:cTn>
                                         <p:tgtEl>
-                                          <p:spTgt spid="74"/>
+                                          <p:spTgt spid="67"/>
                                         </p:tgtEl>
                                         <p:attrNameLst>
                                           <p:attrName>style.visibility</p:attrName>
@@ -28104,9 +27893,9 @@
                                     </p:set>
                                     <p:anim calcmode="lin" valueType="num">
                                       <p:cBhvr>
-                                        <p:cTn id="72" dur="500" fill="hold"/>
-                                        <p:tgtEl>
-                                          <p:spTgt spid="74"/>
+                                        <p:cTn id="58" dur="500" fill="hold"/>
+                                        <p:tgtEl>
+                                          <p:spTgt spid="67"/>
                                         </p:tgtEl>
                                         <p:attrNameLst>
                                           <p:attrName>ppt_w</p:attrName>
@@ -28127,9 +27916,9 @@
                                     </p:anim>
                                     <p:anim calcmode="lin" valueType="num">
                                       <p:cBhvr>
-                                        <p:cTn id="73" dur="500" fill="hold"/>
-                                        <p:tgtEl>
-                                          <p:spTgt spid="74"/>
+                                        <p:cTn id="59" dur="500" fill="hold"/>
+                                        <p:tgtEl>
+                                          <p:spTgt spid="67"/>
                                         </p:tgtEl>
                                         <p:attrNameLst>
                                           <p:attrName>ppt_h</p:attrName>
@@ -28155,26 +27944,26 @@
                           </p:cTn>
                         </p:par>
                         <p:par>
-                          <p:cTn id="74" fill="hold">
+                          <p:cTn id="60" fill="hold">
                             <p:stCondLst>
                               <p:cond delay="1000"/>
                             </p:stCondLst>
                             <p:childTnLst>
                               <p:par>
-                                <p:cTn id="75" presetID="53" presetClass="entr" presetSubtype="16" fill="hold" grpId="0" nodeType="afterEffect">
+                                <p:cTn id="61" presetID="53" presetClass="entr" presetSubtype="16" fill="hold" grpId="0" nodeType="afterEffect">
                                   <p:stCondLst>
                                     <p:cond delay="0"/>
                                   </p:stCondLst>
                                   <p:childTnLst>
                                     <p:set>
                                       <p:cBhvr>
-                                        <p:cTn id="76" dur="1" fill="hold">
+                                        <p:cTn id="62" dur="1" fill="hold">
                                           <p:stCondLst>
                                             <p:cond delay="0"/>
                                           </p:stCondLst>
                                         </p:cTn>
                                         <p:tgtEl>
-                                          <p:spTgt spid="77"/>
+                                          <p:spTgt spid="70"/>
                                         </p:tgtEl>
                                         <p:attrNameLst>
                                           <p:attrName>style.visibility</p:attrName>
@@ -28186,9 +27975,9 @@
                                     </p:set>
                                     <p:anim calcmode="lin" valueType="num">
                                       <p:cBhvr>
-                                        <p:cTn id="77" dur="500" fill="hold"/>
-                                        <p:tgtEl>
-                                          <p:spTgt spid="77"/>
+                                        <p:cTn id="63" dur="500" fill="hold"/>
+                                        <p:tgtEl>
+                                          <p:spTgt spid="70"/>
                                         </p:tgtEl>
                                         <p:attrNameLst>
                                           <p:attrName>ppt_w</p:attrName>
@@ -28209,9 +27998,9 @@
                                     </p:anim>
                                     <p:anim calcmode="lin" valueType="num">
                                       <p:cBhvr>
-                                        <p:cTn id="78" dur="500" fill="hold"/>
-                                        <p:tgtEl>
-                                          <p:spTgt spid="77"/>
+                                        <p:cTn id="64" dur="500" fill="hold"/>
+                                        <p:tgtEl>
+                                          <p:spTgt spid="70"/>
                                         </p:tgtEl>
                                         <p:attrNameLst>
                                           <p:attrName>ppt_h</p:attrName>
@@ -28232,7 +28021,278 @@
                                     </p:anim>
                                     <p:animEffect transition="in" filter="fade">
                                       <p:cBhvr>
-                                        <p:cTn id="79" dur="500"/>
+                                        <p:cTn id="65" dur="500"/>
+                                        <p:tgtEl>
+                                          <p:spTgt spid="70"/>
+                                        </p:tgtEl>
+                                      </p:cBhvr>
+                                    </p:animEffect>
+                                  </p:childTnLst>
+                                </p:cTn>
+                              </p:par>
+                            </p:childTnLst>
+                          </p:cTn>
+                        </p:par>
+                      </p:childTnLst>
+                    </p:cTn>
+                  </p:par>
+                  <p:par>
+                    <p:cTn id="66" fill="hold">
+                      <p:stCondLst>
+                        <p:cond delay="indefinite"/>
+                      </p:stCondLst>
+                      <p:childTnLst>
+                        <p:par>
+                          <p:cTn id="67" fill="hold">
+                            <p:stCondLst>
+                              <p:cond delay="0"/>
+                            </p:stCondLst>
+                            <p:childTnLst>
+                              <p:par>
+                                <p:cTn id="68" presetID="42" presetClass="entr" presetSubtype="0" fill="hold" nodeType="clickEffect">
+                                  <p:stCondLst>
+                                    <p:cond delay="0"/>
+                                  </p:stCondLst>
+                                  <p:childTnLst>
+                                    <p:set>
+                                      <p:cBhvr>
+                                        <p:cTn id="69" dur="1" fill="hold">
+                                          <p:stCondLst>
+                                            <p:cond delay="0"/>
+                                          </p:stCondLst>
+                                        </p:cTn>
+                                        <p:tgtEl>
+                                          <p:spTgt spid="78"/>
+                                        </p:tgtEl>
+                                        <p:attrNameLst>
+                                          <p:attrName>style.visibility</p:attrName>
+                                        </p:attrNameLst>
+                                      </p:cBhvr>
+                                      <p:to>
+                                        <p:strVal val="visible"/>
+                                      </p:to>
+                                    </p:set>
+                                    <p:animEffect transition="in" filter="fade">
+                                      <p:cBhvr>
+                                        <p:cTn id="70" dur="500"/>
+                                        <p:tgtEl>
+                                          <p:spTgt spid="78"/>
+                                        </p:tgtEl>
+                                      </p:cBhvr>
+                                    </p:animEffect>
+                                    <p:anim calcmode="lin" valueType="num">
+                                      <p:cBhvr>
+                                        <p:cTn id="71" dur="500" fill="hold"/>
+                                        <p:tgtEl>
+                                          <p:spTgt spid="78"/>
+                                        </p:tgtEl>
+                                        <p:attrNameLst>
+                                          <p:attrName>ppt_x</p:attrName>
+                                        </p:attrNameLst>
+                                      </p:cBhvr>
+                                      <p:tavLst>
+                                        <p:tav tm="0">
+                                          <p:val>
+                                            <p:strVal val="#ppt_x"/>
+                                          </p:val>
+                                        </p:tav>
+                                        <p:tav tm="100000">
+                                          <p:val>
+                                            <p:strVal val="#ppt_x"/>
+                                          </p:val>
+                                        </p:tav>
+                                      </p:tavLst>
+                                    </p:anim>
+                                    <p:anim calcmode="lin" valueType="num">
+                                      <p:cBhvr>
+                                        <p:cTn id="72" dur="500" fill="hold"/>
+                                        <p:tgtEl>
+                                          <p:spTgt spid="78"/>
+                                        </p:tgtEl>
+                                        <p:attrNameLst>
+                                          <p:attrName>ppt_y</p:attrName>
+                                        </p:attrNameLst>
+                                      </p:cBhvr>
+                                      <p:tavLst>
+                                        <p:tav tm="0">
+                                          <p:val>
+                                            <p:strVal val="#ppt_y+.1"/>
+                                          </p:val>
+                                        </p:tav>
+                                        <p:tav tm="100000">
+                                          <p:val>
+                                            <p:strVal val="#ppt_y"/>
+                                          </p:val>
+                                        </p:tav>
+                                      </p:tavLst>
+                                    </p:anim>
+                                  </p:childTnLst>
+                                </p:cTn>
+                              </p:par>
+                            </p:childTnLst>
+                          </p:cTn>
+                        </p:par>
+                        <p:par>
+                          <p:cTn id="73" fill="hold">
+                            <p:stCondLst>
+                              <p:cond delay="500"/>
+                            </p:stCondLst>
+                            <p:childTnLst>
+                              <p:par>
+                                <p:cTn id="74" presetID="17" presetClass="entr" presetSubtype="10" fill="hold" nodeType="afterEffect">
+                                  <p:stCondLst>
+                                    <p:cond delay="0"/>
+                                  </p:stCondLst>
+                                  <p:childTnLst>
+                                    <p:set>
+                                      <p:cBhvr>
+                                        <p:cTn id="75" dur="1" fill="hold">
+                                          <p:stCondLst>
+                                            <p:cond delay="0"/>
+                                          </p:stCondLst>
+                                        </p:cTn>
+                                        <p:tgtEl>
+                                          <p:spTgt spid="74"/>
+                                        </p:tgtEl>
+                                        <p:attrNameLst>
+                                          <p:attrName>style.visibility</p:attrName>
+                                        </p:attrNameLst>
+                                      </p:cBhvr>
+                                      <p:to>
+                                        <p:strVal val="visible"/>
+                                      </p:to>
+                                    </p:set>
+                                    <p:anim calcmode="lin" valueType="num">
+                                      <p:cBhvr>
+                                        <p:cTn id="76" dur="500" fill="hold"/>
+                                        <p:tgtEl>
+                                          <p:spTgt spid="74"/>
+                                        </p:tgtEl>
+                                        <p:attrNameLst>
+                                          <p:attrName>ppt_w</p:attrName>
+                                        </p:attrNameLst>
+                                      </p:cBhvr>
+                                      <p:tavLst>
+                                        <p:tav tm="0">
+                                          <p:val>
+                                            <p:fltVal val="0"/>
+                                          </p:val>
+                                        </p:tav>
+                                        <p:tav tm="100000">
+                                          <p:val>
+                                            <p:strVal val="#ppt_w"/>
+                                          </p:val>
+                                        </p:tav>
+                                      </p:tavLst>
+                                    </p:anim>
+                                    <p:anim calcmode="lin" valueType="num">
+                                      <p:cBhvr>
+                                        <p:cTn id="77" dur="500" fill="hold"/>
+                                        <p:tgtEl>
+                                          <p:spTgt spid="74"/>
+                                        </p:tgtEl>
+                                        <p:attrNameLst>
+                                          <p:attrName>ppt_h</p:attrName>
+                                        </p:attrNameLst>
+                                      </p:cBhvr>
+                                      <p:tavLst>
+                                        <p:tav tm="0">
+                                          <p:val>
+                                            <p:strVal val="#ppt_h"/>
+                                          </p:val>
+                                        </p:tav>
+                                        <p:tav tm="100000">
+                                          <p:val>
+                                            <p:strVal val="#ppt_h"/>
+                                          </p:val>
+                                        </p:tav>
+                                      </p:tavLst>
+                                    </p:anim>
+                                  </p:childTnLst>
+                                </p:cTn>
+                              </p:par>
+                            </p:childTnLst>
+                          </p:cTn>
+                        </p:par>
+                        <p:par>
+                          <p:cTn id="78" fill="hold">
+                            <p:stCondLst>
+                              <p:cond delay="1000"/>
+                            </p:stCondLst>
+                            <p:childTnLst>
+                              <p:par>
+                                <p:cTn id="79" presetID="53" presetClass="entr" presetSubtype="16" fill="hold" grpId="0" nodeType="afterEffect">
+                                  <p:stCondLst>
+                                    <p:cond delay="0"/>
+                                  </p:stCondLst>
+                                  <p:childTnLst>
+                                    <p:set>
+                                      <p:cBhvr>
+                                        <p:cTn id="80" dur="1" fill="hold">
+                                          <p:stCondLst>
+                                            <p:cond delay="0"/>
+                                          </p:stCondLst>
+                                        </p:cTn>
+                                        <p:tgtEl>
+                                          <p:spTgt spid="77"/>
+                                        </p:tgtEl>
+                                        <p:attrNameLst>
+                                          <p:attrName>style.visibility</p:attrName>
+                                        </p:attrNameLst>
+                                      </p:cBhvr>
+                                      <p:to>
+                                        <p:strVal val="visible"/>
+                                      </p:to>
+                                    </p:set>
+                                    <p:anim calcmode="lin" valueType="num">
+                                      <p:cBhvr>
+                                        <p:cTn id="81" dur="500" fill="hold"/>
+                                        <p:tgtEl>
+                                          <p:spTgt spid="77"/>
+                                        </p:tgtEl>
+                                        <p:attrNameLst>
+                                          <p:attrName>ppt_w</p:attrName>
+                                        </p:attrNameLst>
+                                      </p:cBhvr>
+                                      <p:tavLst>
+                                        <p:tav tm="0">
+                                          <p:val>
+                                            <p:fltVal val="0"/>
+                                          </p:val>
+                                        </p:tav>
+                                        <p:tav tm="100000">
+                                          <p:val>
+                                            <p:strVal val="#ppt_w"/>
+                                          </p:val>
+                                        </p:tav>
+                                      </p:tavLst>
+                                    </p:anim>
+                                    <p:anim calcmode="lin" valueType="num">
+                                      <p:cBhvr>
+                                        <p:cTn id="82" dur="500" fill="hold"/>
+                                        <p:tgtEl>
+                                          <p:spTgt spid="77"/>
+                                        </p:tgtEl>
+                                        <p:attrNameLst>
+                                          <p:attrName>ppt_h</p:attrName>
+                                        </p:attrNameLst>
+                                      </p:cBhvr>
+                                      <p:tavLst>
+                                        <p:tav tm="0">
+                                          <p:val>
+                                            <p:fltVal val="0"/>
+                                          </p:val>
+                                        </p:tav>
+                                        <p:tav tm="100000">
+                                          <p:val>
+                                            <p:strVal val="#ppt_h"/>
+                                          </p:val>
+                                        </p:tav>
+                                      </p:tavLst>
+                                    </p:anim>
+                                    <p:animEffect transition="in" filter="fade">
+                                      <p:cBhvr>
+                                        <p:cTn id="83" dur="500"/>
                                         <p:tgtEl>
                                           <p:spTgt spid="77"/>
                                         </p:tgtEl>
@@ -31974,14 +32034,13 @@
               </a:ext>
             </a:extLst>
           </a:blip>
-          <a:stretch>
-            <a:fillRect/>
-          </a:stretch>
+          <a:srcRect/>
+          <a:stretch/>
         </p:blipFill>
         <p:spPr>
           <a:xfrm>
-            <a:off x="61537" y="489458"/>
-            <a:ext cx="6096012" cy="6096012"/>
+            <a:off x="114523" y="587283"/>
+            <a:ext cx="5691158" cy="5691158"/>
           </a:xfrm>
           <a:prstGeom prst="rect">
             <a:avLst/>
@@ -34880,14 +34939,13 @@
               </a:ext>
             </a:extLst>
           </a:blip>
-          <a:stretch>
-            <a:fillRect/>
-          </a:stretch>
+          <a:srcRect/>
+          <a:stretch/>
         </p:blipFill>
         <p:spPr>
           <a:xfrm>
-            <a:off x="6426089" y="429078"/>
-            <a:ext cx="6096012" cy="6096012"/>
+            <a:off x="6416292" y="858157"/>
+            <a:ext cx="5480559" cy="5480559"/>
           </a:xfrm>
           <a:prstGeom prst="rect">
             <a:avLst/>
@@ -39483,18 +39541,18 @@
 </file>
 
 <file path=customXml/item1.xml><?xml version="1.0" encoding="utf-8"?>
-<p:properties xmlns:p="http://schemas.microsoft.com/office/2006/metadata/properties" xmlns:xsi="http://www.w3.org/2001/XMLSchema-instance" xmlns:pc="http://schemas.microsoft.com/office/infopath/2007/PartnerControls">
-  <documentManagement/>
-</p:properties>
-</file>
-
-<file path=customXml/item2.xml><?xml version="1.0" encoding="utf-8"?>
 <?mso-contentType ?>
 <FormTemplates xmlns="http://schemas.microsoft.com/sharepoint/v3/contenttype/forms">
   <Display>DocumentLibraryForm</Display>
   <Edit>DocumentLibraryForm</Edit>
   <New>DocumentLibraryForm</New>
 </FormTemplates>
+</file>
+
+<file path=customXml/item2.xml><?xml version="1.0" encoding="utf-8"?>
+<p:properties xmlns:p="http://schemas.microsoft.com/office/2006/metadata/properties" xmlns:xsi="http://www.w3.org/2001/XMLSchema-instance" xmlns:pc="http://schemas.microsoft.com/office/infopath/2007/PartnerControls">
+  <documentManagement/>
+</p:properties>
 </file>
 
 <file path=customXml/item3.xml><?xml version="1.0" encoding="utf-8"?>
@@ -39695,6 +39753,14 @@
 </file>
 
 <file path=customXml/itemProps1.xml><?xml version="1.0" encoding="utf-8"?>
+<ds:datastoreItem xmlns:ds="http://schemas.openxmlformats.org/officeDocument/2006/customXml" ds:itemID="{E12B114C-EB44-46E6-930B-B69E30F6F9AE}">
+  <ds:schemaRefs>
+    <ds:schemaRef ds:uri="http://schemas.microsoft.com/sharepoint/v3/contenttype/forms"/>
+  </ds:schemaRefs>
+</ds:datastoreItem>
+</file>
+
+<file path=customXml/itemProps2.xml><?xml version="1.0" encoding="utf-8"?>
 <ds:datastoreItem xmlns:ds="http://schemas.openxmlformats.org/officeDocument/2006/customXml" ds:itemID="{7972C250-C430-4380-B8BD-02E395B67AF0}">
   <ds:schemaRefs>
     <ds:schemaRef ds:uri="http://purl.org/dc/dcmitype/"/>
@@ -39707,14 +39773,6 @@
     <ds:schemaRef ds:uri="86822d51-02f5-488a-80f3-0b621e7c317a"/>
     <ds:schemaRef ds:uri="1f168f81-3f83-4b33-9f0c-ec152bce3f98"/>
     <ds:schemaRef ds:uri="http://schemas.microsoft.com/office/2006/metadata/properties"/>
-  </ds:schemaRefs>
-</ds:datastoreItem>
-</file>
-
-<file path=customXml/itemProps2.xml><?xml version="1.0" encoding="utf-8"?>
-<ds:datastoreItem xmlns:ds="http://schemas.openxmlformats.org/officeDocument/2006/customXml" ds:itemID="{E12B114C-EB44-46E6-930B-B69E30F6F9AE}">
-  <ds:schemaRefs>
-    <ds:schemaRef ds:uri="http://schemas.microsoft.com/sharepoint/v3/contenttype/forms"/>
   </ds:schemaRefs>
 </ds:datastoreItem>
 </file>

--- a/MONITORAMENTO/Documentação/PPTs/Cold Stock Apresentação - Sprint 3.pptx
+++ b/MONITORAMENTO/Documentação/PPTs/Cold Stock Apresentação - Sprint 3.pptx
@@ -39541,18 +39541,18 @@
 </file>
 
 <file path=customXml/item1.xml><?xml version="1.0" encoding="utf-8"?>
+<p:properties xmlns:p="http://schemas.microsoft.com/office/2006/metadata/properties" xmlns:xsi="http://www.w3.org/2001/XMLSchema-instance" xmlns:pc="http://schemas.microsoft.com/office/infopath/2007/PartnerControls">
+  <documentManagement/>
+</p:properties>
+</file>
+
+<file path=customXml/item2.xml><?xml version="1.0" encoding="utf-8"?>
 <?mso-contentType ?>
 <FormTemplates xmlns="http://schemas.microsoft.com/sharepoint/v3/contenttype/forms">
   <Display>DocumentLibraryForm</Display>
   <Edit>DocumentLibraryForm</Edit>
   <New>DocumentLibraryForm</New>
 </FormTemplates>
-</file>
-
-<file path=customXml/item2.xml><?xml version="1.0" encoding="utf-8"?>
-<p:properties xmlns:p="http://schemas.microsoft.com/office/2006/metadata/properties" xmlns:xsi="http://www.w3.org/2001/XMLSchema-instance" xmlns:pc="http://schemas.microsoft.com/office/infopath/2007/PartnerControls">
-  <documentManagement/>
-</p:properties>
 </file>
 
 <file path=customXml/item3.xml><?xml version="1.0" encoding="utf-8"?>
@@ -39753,14 +39753,6 @@
 </file>
 
 <file path=customXml/itemProps1.xml><?xml version="1.0" encoding="utf-8"?>
-<ds:datastoreItem xmlns:ds="http://schemas.openxmlformats.org/officeDocument/2006/customXml" ds:itemID="{E12B114C-EB44-46E6-930B-B69E30F6F9AE}">
-  <ds:schemaRefs>
-    <ds:schemaRef ds:uri="http://schemas.microsoft.com/sharepoint/v3/contenttype/forms"/>
-  </ds:schemaRefs>
-</ds:datastoreItem>
-</file>
-
-<file path=customXml/itemProps2.xml><?xml version="1.0" encoding="utf-8"?>
 <ds:datastoreItem xmlns:ds="http://schemas.openxmlformats.org/officeDocument/2006/customXml" ds:itemID="{7972C250-C430-4380-B8BD-02E395B67AF0}">
   <ds:schemaRefs>
     <ds:schemaRef ds:uri="http://purl.org/dc/dcmitype/"/>
@@ -39773,6 +39765,14 @@
     <ds:schemaRef ds:uri="86822d51-02f5-488a-80f3-0b621e7c317a"/>
     <ds:schemaRef ds:uri="1f168f81-3f83-4b33-9f0c-ec152bce3f98"/>
     <ds:schemaRef ds:uri="http://schemas.microsoft.com/office/2006/metadata/properties"/>
+  </ds:schemaRefs>
+</ds:datastoreItem>
+</file>
+
+<file path=customXml/itemProps2.xml><?xml version="1.0" encoding="utf-8"?>
+<ds:datastoreItem xmlns:ds="http://schemas.openxmlformats.org/officeDocument/2006/customXml" ds:itemID="{E12B114C-EB44-46E6-930B-B69E30F6F9AE}">
+  <ds:schemaRefs>
+    <ds:schemaRef ds:uri="http://schemas.microsoft.com/sharepoint/v3/contenttype/forms"/>
   </ds:schemaRefs>
 </ds:datastoreItem>
 </file>

--- a/MONITORAMENTO/Documentação/PPTs/Cold Stock Apresentação - Sprint 3.pptx
+++ b/MONITORAMENTO/Documentação/PPTs/Cold Stock Apresentação - Sprint 3.pptx
@@ -262,7 +262,7 @@
           <a:p>
             <a:fld id="{47278C1A-96D6-4232-9F36-8FBD0594C554}" type="datetimeFigureOut">
               <a:rPr lang="pt-BR" smtClean="0"/>
-              <a:t>13/12/2020</a:t>
+              <a:t>14/12/2020</a:t>
             </a:fld>
             <a:endParaRPr lang="pt-BR"/>
           </a:p>
@@ -304,7 +304,7 @@
           <a:p>
             <a:fld id="{26DF22C3-F9EA-40C4-AB4C-A1C88679FAB8}" type="slidenum">
               <a:rPr lang="pt-BR" smtClean="0"/>
-              <a:t>‹#›</a:t>
+              <a:t>‹nº›</a:t>
             </a:fld>
             <a:endParaRPr lang="pt-BR"/>
           </a:p>
@@ -430,7 +430,7 @@
           <a:p>
             <a:fld id="{47278C1A-96D6-4232-9F36-8FBD0594C554}" type="datetimeFigureOut">
               <a:rPr lang="pt-BR" smtClean="0"/>
-              <a:t>13/12/2020</a:t>
+              <a:t>14/12/2020</a:t>
             </a:fld>
             <a:endParaRPr lang="pt-BR"/>
           </a:p>
@@ -472,7 +472,7 @@
           <a:p>
             <a:fld id="{26DF22C3-F9EA-40C4-AB4C-A1C88679FAB8}" type="slidenum">
               <a:rPr lang="pt-BR" smtClean="0"/>
-              <a:t>‹#›</a:t>
+              <a:t>‹nº›</a:t>
             </a:fld>
             <a:endParaRPr lang="pt-BR"/>
           </a:p>
@@ -608,7 +608,7 @@
           <a:p>
             <a:fld id="{47278C1A-96D6-4232-9F36-8FBD0594C554}" type="datetimeFigureOut">
               <a:rPr lang="pt-BR" smtClean="0"/>
-              <a:t>13/12/2020</a:t>
+              <a:t>14/12/2020</a:t>
             </a:fld>
             <a:endParaRPr lang="pt-BR"/>
           </a:p>
@@ -650,7 +650,7 @@
           <a:p>
             <a:fld id="{26DF22C3-F9EA-40C4-AB4C-A1C88679FAB8}" type="slidenum">
               <a:rPr lang="pt-BR" smtClean="0"/>
-              <a:t>‹#›</a:t>
+              <a:t>‹nº›</a:t>
             </a:fld>
             <a:endParaRPr lang="pt-BR"/>
           </a:p>
@@ -776,7 +776,7 @@
           <a:p>
             <a:fld id="{47278C1A-96D6-4232-9F36-8FBD0594C554}" type="datetimeFigureOut">
               <a:rPr lang="pt-BR" smtClean="0"/>
-              <a:t>13/12/2020</a:t>
+              <a:t>14/12/2020</a:t>
             </a:fld>
             <a:endParaRPr lang="pt-BR"/>
           </a:p>
@@ -818,7 +818,7 @@
           <a:p>
             <a:fld id="{26DF22C3-F9EA-40C4-AB4C-A1C88679FAB8}" type="slidenum">
               <a:rPr lang="pt-BR" smtClean="0"/>
-              <a:t>‹#›</a:t>
+              <a:t>‹nº›</a:t>
             </a:fld>
             <a:endParaRPr lang="pt-BR"/>
           </a:p>
@@ -1021,7 +1021,7 @@
           <a:p>
             <a:fld id="{47278C1A-96D6-4232-9F36-8FBD0594C554}" type="datetimeFigureOut">
               <a:rPr lang="pt-BR" smtClean="0"/>
-              <a:t>13/12/2020</a:t>
+              <a:t>14/12/2020</a:t>
             </a:fld>
             <a:endParaRPr lang="pt-BR"/>
           </a:p>
@@ -1063,7 +1063,7 @@
           <a:p>
             <a:fld id="{26DF22C3-F9EA-40C4-AB4C-A1C88679FAB8}" type="slidenum">
               <a:rPr lang="pt-BR" smtClean="0"/>
-              <a:t>‹#›</a:t>
+              <a:t>‹nº›</a:t>
             </a:fld>
             <a:endParaRPr lang="pt-BR"/>
           </a:p>
@@ -1250,7 +1250,7 @@
           <a:p>
             <a:fld id="{47278C1A-96D6-4232-9F36-8FBD0594C554}" type="datetimeFigureOut">
               <a:rPr lang="pt-BR" smtClean="0"/>
-              <a:t>13/12/2020</a:t>
+              <a:t>14/12/2020</a:t>
             </a:fld>
             <a:endParaRPr lang="pt-BR"/>
           </a:p>
@@ -1292,7 +1292,7 @@
           <a:p>
             <a:fld id="{26DF22C3-F9EA-40C4-AB4C-A1C88679FAB8}" type="slidenum">
               <a:rPr lang="pt-BR" smtClean="0"/>
-              <a:t>‹#›</a:t>
+              <a:t>‹nº›</a:t>
             </a:fld>
             <a:endParaRPr lang="pt-BR"/>
           </a:p>
@@ -1614,7 +1614,7 @@
           <a:p>
             <a:fld id="{47278C1A-96D6-4232-9F36-8FBD0594C554}" type="datetimeFigureOut">
               <a:rPr lang="pt-BR" smtClean="0"/>
-              <a:t>13/12/2020</a:t>
+              <a:t>14/12/2020</a:t>
             </a:fld>
             <a:endParaRPr lang="pt-BR"/>
           </a:p>
@@ -1656,7 +1656,7 @@
           <a:p>
             <a:fld id="{26DF22C3-F9EA-40C4-AB4C-A1C88679FAB8}" type="slidenum">
               <a:rPr lang="pt-BR" smtClean="0"/>
-              <a:t>‹#›</a:t>
+              <a:t>‹nº›</a:t>
             </a:fld>
             <a:endParaRPr lang="pt-BR"/>
           </a:p>
@@ -1731,7 +1731,7 @@
           <a:p>
             <a:fld id="{47278C1A-96D6-4232-9F36-8FBD0594C554}" type="datetimeFigureOut">
               <a:rPr lang="pt-BR" smtClean="0"/>
-              <a:t>13/12/2020</a:t>
+              <a:t>14/12/2020</a:t>
             </a:fld>
             <a:endParaRPr lang="pt-BR"/>
           </a:p>
@@ -1773,7 +1773,7 @@
           <a:p>
             <a:fld id="{26DF22C3-F9EA-40C4-AB4C-A1C88679FAB8}" type="slidenum">
               <a:rPr lang="pt-BR" smtClean="0"/>
-              <a:t>‹#›</a:t>
+              <a:t>‹nº›</a:t>
             </a:fld>
             <a:endParaRPr lang="pt-BR"/>
           </a:p>
@@ -1826,7 +1826,7 @@
           <a:p>
             <a:fld id="{47278C1A-96D6-4232-9F36-8FBD0594C554}" type="datetimeFigureOut">
               <a:rPr lang="pt-BR" smtClean="0"/>
-              <a:t>13/12/2020</a:t>
+              <a:t>14/12/2020</a:t>
             </a:fld>
             <a:endParaRPr lang="pt-BR"/>
           </a:p>
@@ -1868,7 +1868,7 @@
           <a:p>
             <a:fld id="{26DF22C3-F9EA-40C4-AB4C-A1C88679FAB8}" type="slidenum">
               <a:rPr lang="pt-BR" smtClean="0"/>
-              <a:t>‹#›</a:t>
+              <a:t>‹nº›</a:t>
             </a:fld>
             <a:endParaRPr lang="pt-BR"/>
           </a:p>
@@ -2101,7 +2101,7 @@
           <a:p>
             <a:fld id="{47278C1A-96D6-4232-9F36-8FBD0594C554}" type="datetimeFigureOut">
               <a:rPr lang="pt-BR" smtClean="0"/>
-              <a:t>13/12/2020</a:t>
+              <a:t>14/12/2020</a:t>
             </a:fld>
             <a:endParaRPr lang="pt-BR"/>
           </a:p>
@@ -2143,7 +2143,7 @@
           <a:p>
             <a:fld id="{26DF22C3-F9EA-40C4-AB4C-A1C88679FAB8}" type="slidenum">
               <a:rPr lang="pt-BR" smtClean="0"/>
-              <a:t>‹#›</a:t>
+              <a:t>‹nº›</a:t>
             </a:fld>
             <a:endParaRPr lang="pt-BR"/>
           </a:p>
@@ -2353,7 +2353,7 @@
           <a:p>
             <a:fld id="{47278C1A-96D6-4232-9F36-8FBD0594C554}" type="datetimeFigureOut">
               <a:rPr lang="pt-BR" smtClean="0"/>
-              <a:t>13/12/2020</a:t>
+              <a:t>14/12/2020</a:t>
             </a:fld>
             <a:endParaRPr lang="pt-BR"/>
           </a:p>
@@ -2395,7 +2395,7 @@
           <a:p>
             <a:fld id="{26DF22C3-F9EA-40C4-AB4C-A1C88679FAB8}" type="slidenum">
               <a:rPr lang="pt-BR" smtClean="0"/>
-              <a:t>‹#›</a:t>
+              <a:t>‹nº›</a:t>
             </a:fld>
             <a:endParaRPr lang="pt-BR"/>
           </a:p>
@@ -2564,7 +2564,7 @@
           <a:p>
             <a:fld id="{47278C1A-96D6-4232-9F36-8FBD0594C554}" type="datetimeFigureOut">
               <a:rPr lang="pt-BR" smtClean="0"/>
-              <a:t>13/12/2020</a:t>
+              <a:t>14/12/2020</a:t>
             </a:fld>
             <a:endParaRPr lang="pt-BR"/>
           </a:p>
@@ -2642,7 +2642,7 @@
           <a:p>
             <a:fld id="{26DF22C3-F9EA-40C4-AB4C-A1C88679FAB8}" type="slidenum">
               <a:rPr lang="pt-BR" smtClean="0"/>
-              <a:t>‹#›</a:t>
+              <a:t>‹nº›</a:t>
             </a:fld>
             <a:endParaRPr lang="pt-BR"/>
           </a:p>
@@ -4351,42 +4351,6 @@
           </a:p>
         </p:txBody>
       </p:sp>
-      <p:pic>
-        <p:nvPicPr>
-          <p:cNvPr id="10" name="Picture 9">
-            <a:extLst>
-              <a:ext uri="{FF2B5EF4-FFF2-40B4-BE49-F238E27FC236}">
-                <a16:creationId xmlns:a16="http://schemas.microsoft.com/office/drawing/2014/main" id="{09C43B33-96B9-4306-BCDC-22E6D63086AB}"/>
-              </a:ext>
-            </a:extLst>
-          </p:cNvPr>
-          <p:cNvPicPr>
-            <a:picLocks noChangeAspect="1"/>
-          </p:cNvPicPr>
-          <p:nvPr/>
-        </p:nvPicPr>
-        <p:blipFill>
-          <a:blip r:embed="rId5">
-            <a:extLst>
-              <a:ext uri="{28A0092B-C50C-407E-A947-70E740481C1C}">
-                <a14:useLocalDpi xmlns:a14="http://schemas.microsoft.com/office/drawing/2010/main" val="0"/>
-              </a:ext>
-            </a:extLst>
-          </a:blip>
-          <a:stretch>
-            <a:fillRect/>
-          </a:stretch>
-        </p:blipFill>
-        <p:spPr>
-          <a:xfrm>
-            <a:off x="1282772" y="1277712"/>
-            <a:ext cx="9626455" cy="5414881"/>
-          </a:xfrm>
-          <a:prstGeom prst="rect">
-            <a:avLst/>
-          </a:prstGeom>
-        </p:spPr>
-      </p:pic>
       <p:sp>
         <p:nvSpPr>
           <p:cNvPr id="55" name="Triângulo Retângulo 3">
@@ -4446,6 +4410,36 @@
           </a:p>
         </p:txBody>
       </p:sp>
+      <p:pic>
+        <p:nvPicPr>
+          <p:cNvPr id="15" name="Imagem 14">
+            <a:extLst>
+              <a:ext uri="{FF2B5EF4-FFF2-40B4-BE49-F238E27FC236}">
+                <a16:creationId xmlns:a16="http://schemas.microsoft.com/office/drawing/2014/main" id="{7D5E36BB-D437-47BD-BD0F-7A4B8A8766E5}"/>
+              </a:ext>
+            </a:extLst>
+          </p:cNvPr>
+          <p:cNvPicPr>
+            <a:picLocks noChangeAspect="1"/>
+          </p:cNvPicPr>
+          <p:nvPr/>
+        </p:nvPicPr>
+        <p:blipFill>
+          <a:blip r:embed="rId5"/>
+          <a:stretch>
+            <a:fillRect/>
+          </a:stretch>
+        </p:blipFill>
+        <p:spPr>
+          <a:xfrm>
+            <a:off x="1278116" y="1277712"/>
+            <a:ext cx="9791700" cy="5419725"/>
+          </a:xfrm>
+          <a:prstGeom prst="rect">
+            <a:avLst/>
+          </a:prstGeom>
+        </p:spPr>
+      </p:pic>
     </p:spTree>
     <p:extLst>
       <p:ext uri="{BB962C8B-B14F-4D97-AF65-F5344CB8AC3E}">
@@ -4583,7 +4577,7 @@
                                           </p:stCondLst>
                                         </p:cTn>
                                         <p:tgtEl>
-                                          <p:spTgt spid="10"/>
+                                          <p:spTgt spid="15"/>
                                         </p:tgtEl>
                                         <p:attrNameLst>
                                           <p:attrName>style.visibility</p:attrName>
@@ -4597,7 +4591,7 @@
                                       <p:cBhvr>
                                         <p:cTn id="13" dur="1000"/>
                                         <p:tgtEl>
-                                          <p:spTgt spid="10"/>
+                                          <p:spTgt spid="15"/>
                                         </p:tgtEl>
                                       </p:cBhvr>
                                     </p:animEffect>
@@ -39541,18 +39535,18 @@
 </file>
 
 <file path=customXml/item1.xml><?xml version="1.0" encoding="utf-8"?>
-<p:properties xmlns:p="http://schemas.microsoft.com/office/2006/metadata/properties" xmlns:xsi="http://www.w3.org/2001/XMLSchema-instance" xmlns:pc="http://schemas.microsoft.com/office/infopath/2007/PartnerControls">
-  <documentManagement/>
-</p:properties>
-</file>
-
-<file path=customXml/item2.xml><?xml version="1.0" encoding="utf-8"?>
 <?mso-contentType ?>
 <FormTemplates xmlns="http://schemas.microsoft.com/sharepoint/v3/contenttype/forms">
   <Display>DocumentLibraryForm</Display>
   <Edit>DocumentLibraryForm</Edit>
   <New>DocumentLibraryForm</New>
 </FormTemplates>
+</file>
+
+<file path=customXml/item2.xml><?xml version="1.0" encoding="utf-8"?>
+<p:properties xmlns:p="http://schemas.microsoft.com/office/2006/metadata/properties" xmlns:xsi="http://www.w3.org/2001/XMLSchema-instance" xmlns:pc="http://schemas.microsoft.com/office/infopath/2007/PartnerControls">
+  <documentManagement/>
+</p:properties>
 </file>
 
 <file path=customXml/item3.xml><?xml version="1.0" encoding="utf-8"?>
@@ -39753,6 +39747,14 @@
 </file>
 
 <file path=customXml/itemProps1.xml><?xml version="1.0" encoding="utf-8"?>
+<ds:datastoreItem xmlns:ds="http://schemas.openxmlformats.org/officeDocument/2006/customXml" ds:itemID="{E12B114C-EB44-46E6-930B-B69E30F6F9AE}">
+  <ds:schemaRefs>
+    <ds:schemaRef ds:uri="http://schemas.microsoft.com/sharepoint/v3/contenttype/forms"/>
+  </ds:schemaRefs>
+</ds:datastoreItem>
+</file>
+
+<file path=customXml/itemProps2.xml><?xml version="1.0" encoding="utf-8"?>
 <ds:datastoreItem xmlns:ds="http://schemas.openxmlformats.org/officeDocument/2006/customXml" ds:itemID="{7972C250-C430-4380-B8BD-02E395B67AF0}">
   <ds:schemaRefs>
     <ds:schemaRef ds:uri="http://purl.org/dc/dcmitype/"/>
@@ -39765,14 +39767,6 @@
     <ds:schemaRef ds:uri="86822d51-02f5-488a-80f3-0b621e7c317a"/>
     <ds:schemaRef ds:uri="1f168f81-3f83-4b33-9f0c-ec152bce3f98"/>
     <ds:schemaRef ds:uri="http://schemas.microsoft.com/office/2006/metadata/properties"/>
-  </ds:schemaRefs>
-</ds:datastoreItem>
-</file>
-
-<file path=customXml/itemProps2.xml><?xml version="1.0" encoding="utf-8"?>
-<ds:datastoreItem xmlns:ds="http://schemas.openxmlformats.org/officeDocument/2006/customXml" ds:itemID="{E12B114C-EB44-46E6-930B-B69E30F6F9AE}">
-  <ds:schemaRefs>
-    <ds:schemaRef ds:uri="http://schemas.microsoft.com/sharepoint/v3/contenttype/forms"/>
   </ds:schemaRefs>
 </ds:datastoreItem>
 </file>

--- a/MONITORAMENTO/Documentação/PPTs/Cold Stock Apresentação - Sprint 3.pptx
+++ b/MONITORAMENTO/Documentação/PPTs/Cold Stock Apresentação - Sprint 3.pptx
@@ -304,7 +304,7 @@
           <a:p>
             <a:fld id="{26DF22C3-F9EA-40C4-AB4C-A1C88679FAB8}" type="slidenum">
               <a:rPr lang="pt-BR" smtClean="0"/>
-              <a:t>‹nº›</a:t>
+              <a:t>‹#›</a:t>
             </a:fld>
             <a:endParaRPr lang="pt-BR"/>
           </a:p>
@@ -472,7 +472,7 @@
           <a:p>
             <a:fld id="{26DF22C3-F9EA-40C4-AB4C-A1C88679FAB8}" type="slidenum">
               <a:rPr lang="pt-BR" smtClean="0"/>
-              <a:t>‹nº›</a:t>
+              <a:t>‹#›</a:t>
             </a:fld>
             <a:endParaRPr lang="pt-BR"/>
           </a:p>
@@ -650,7 +650,7 @@
           <a:p>
             <a:fld id="{26DF22C3-F9EA-40C4-AB4C-A1C88679FAB8}" type="slidenum">
               <a:rPr lang="pt-BR" smtClean="0"/>
-              <a:t>‹nº›</a:t>
+              <a:t>‹#›</a:t>
             </a:fld>
             <a:endParaRPr lang="pt-BR"/>
           </a:p>
@@ -818,7 +818,7 @@
           <a:p>
             <a:fld id="{26DF22C3-F9EA-40C4-AB4C-A1C88679FAB8}" type="slidenum">
               <a:rPr lang="pt-BR" smtClean="0"/>
-              <a:t>‹nº›</a:t>
+              <a:t>‹#›</a:t>
             </a:fld>
             <a:endParaRPr lang="pt-BR"/>
           </a:p>
@@ -1063,7 +1063,7 @@
           <a:p>
             <a:fld id="{26DF22C3-F9EA-40C4-AB4C-A1C88679FAB8}" type="slidenum">
               <a:rPr lang="pt-BR" smtClean="0"/>
-              <a:t>‹nº›</a:t>
+              <a:t>‹#›</a:t>
             </a:fld>
             <a:endParaRPr lang="pt-BR"/>
           </a:p>
@@ -1292,7 +1292,7 @@
           <a:p>
             <a:fld id="{26DF22C3-F9EA-40C4-AB4C-A1C88679FAB8}" type="slidenum">
               <a:rPr lang="pt-BR" smtClean="0"/>
-              <a:t>‹nº›</a:t>
+              <a:t>‹#›</a:t>
             </a:fld>
             <a:endParaRPr lang="pt-BR"/>
           </a:p>
@@ -1656,7 +1656,7 @@
           <a:p>
             <a:fld id="{26DF22C3-F9EA-40C4-AB4C-A1C88679FAB8}" type="slidenum">
               <a:rPr lang="pt-BR" smtClean="0"/>
-              <a:t>‹nº›</a:t>
+              <a:t>‹#›</a:t>
             </a:fld>
             <a:endParaRPr lang="pt-BR"/>
           </a:p>
@@ -1773,7 +1773,7 @@
           <a:p>
             <a:fld id="{26DF22C3-F9EA-40C4-AB4C-A1C88679FAB8}" type="slidenum">
               <a:rPr lang="pt-BR" smtClean="0"/>
-              <a:t>‹nº›</a:t>
+              <a:t>‹#›</a:t>
             </a:fld>
             <a:endParaRPr lang="pt-BR"/>
           </a:p>
@@ -1868,7 +1868,7 @@
           <a:p>
             <a:fld id="{26DF22C3-F9EA-40C4-AB4C-A1C88679FAB8}" type="slidenum">
               <a:rPr lang="pt-BR" smtClean="0"/>
-              <a:t>‹nº›</a:t>
+              <a:t>‹#›</a:t>
             </a:fld>
             <a:endParaRPr lang="pt-BR"/>
           </a:p>
@@ -2143,7 +2143,7 @@
           <a:p>
             <a:fld id="{26DF22C3-F9EA-40C4-AB4C-A1C88679FAB8}" type="slidenum">
               <a:rPr lang="pt-BR" smtClean="0"/>
-              <a:t>‹nº›</a:t>
+              <a:t>‹#›</a:t>
             </a:fld>
             <a:endParaRPr lang="pt-BR"/>
           </a:p>
@@ -2395,7 +2395,7 @@
           <a:p>
             <a:fld id="{26DF22C3-F9EA-40C4-AB4C-A1C88679FAB8}" type="slidenum">
               <a:rPr lang="pt-BR" smtClean="0"/>
-              <a:t>‹nº›</a:t>
+              <a:t>‹#›</a:t>
             </a:fld>
             <a:endParaRPr lang="pt-BR"/>
           </a:p>
@@ -2642,7 +2642,7 @@
           <a:p>
             <a:fld id="{26DF22C3-F9EA-40C4-AB4C-A1C88679FAB8}" type="slidenum">
               <a:rPr lang="pt-BR" smtClean="0"/>
-              <a:t>‹nº›</a:t>
+              <a:t>‹#›</a:t>
             </a:fld>
             <a:endParaRPr lang="pt-BR"/>
           </a:p>
@@ -4425,15 +4425,20 @@
           <p:nvPr/>
         </p:nvPicPr>
         <p:blipFill>
-          <a:blip r:embed="rId5"/>
-          <a:stretch>
-            <a:fillRect/>
-          </a:stretch>
+          <a:blip r:embed="rId5">
+            <a:extLst>
+              <a:ext uri="{28A0092B-C50C-407E-A947-70E740481C1C}">
+                <a14:useLocalDpi xmlns:a14="http://schemas.microsoft.com/office/drawing/2010/main" val="0"/>
+              </a:ext>
+            </a:extLst>
+          </a:blip>
+          <a:srcRect/>
+          <a:stretch/>
         </p:blipFill>
         <p:spPr>
           <a:xfrm>
-            <a:off x="1278116" y="1277712"/>
-            <a:ext cx="9791700" cy="5419725"/>
+            <a:off x="1352364" y="1277712"/>
+            <a:ext cx="9643204" cy="5419725"/>
           </a:xfrm>
           <a:prstGeom prst="rect">
             <a:avLst/>
@@ -39535,18 +39540,18 @@
 </file>
 
 <file path=customXml/item1.xml><?xml version="1.0" encoding="utf-8"?>
+<p:properties xmlns:p="http://schemas.microsoft.com/office/2006/metadata/properties" xmlns:xsi="http://www.w3.org/2001/XMLSchema-instance" xmlns:pc="http://schemas.microsoft.com/office/infopath/2007/PartnerControls">
+  <documentManagement/>
+</p:properties>
+</file>
+
+<file path=customXml/item2.xml><?xml version="1.0" encoding="utf-8"?>
 <?mso-contentType ?>
 <FormTemplates xmlns="http://schemas.microsoft.com/sharepoint/v3/contenttype/forms">
   <Display>DocumentLibraryForm</Display>
   <Edit>DocumentLibraryForm</Edit>
   <New>DocumentLibraryForm</New>
 </FormTemplates>
-</file>
-
-<file path=customXml/item2.xml><?xml version="1.0" encoding="utf-8"?>
-<p:properties xmlns:p="http://schemas.microsoft.com/office/2006/metadata/properties" xmlns:xsi="http://www.w3.org/2001/XMLSchema-instance" xmlns:pc="http://schemas.microsoft.com/office/infopath/2007/PartnerControls">
-  <documentManagement/>
-</p:properties>
 </file>
 
 <file path=customXml/item3.xml><?xml version="1.0" encoding="utf-8"?>
@@ -39747,14 +39752,6 @@
 </file>
 
 <file path=customXml/itemProps1.xml><?xml version="1.0" encoding="utf-8"?>
-<ds:datastoreItem xmlns:ds="http://schemas.openxmlformats.org/officeDocument/2006/customXml" ds:itemID="{E12B114C-EB44-46E6-930B-B69E30F6F9AE}">
-  <ds:schemaRefs>
-    <ds:schemaRef ds:uri="http://schemas.microsoft.com/sharepoint/v3/contenttype/forms"/>
-  </ds:schemaRefs>
-</ds:datastoreItem>
-</file>
-
-<file path=customXml/itemProps2.xml><?xml version="1.0" encoding="utf-8"?>
 <ds:datastoreItem xmlns:ds="http://schemas.openxmlformats.org/officeDocument/2006/customXml" ds:itemID="{7972C250-C430-4380-B8BD-02E395B67AF0}">
   <ds:schemaRefs>
     <ds:schemaRef ds:uri="http://purl.org/dc/dcmitype/"/>
@@ -39767,6 +39764,14 @@
     <ds:schemaRef ds:uri="86822d51-02f5-488a-80f3-0b621e7c317a"/>
     <ds:schemaRef ds:uri="1f168f81-3f83-4b33-9f0c-ec152bce3f98"/>
     <ds:schemaRef ds:uri="http://schemas.microsoft.com/office/2006/metadata/properties"/>
+  </ds:schemaRefs>
+</ds:datastoreItem>
+</file>
+
+<file path=customXml/itemProps2.xml><?xml version="1.0" encoding="utf-8"?>
+<ds:datastoreItem xmlns:ds="http://schemas.openxmlformats.org/officeDocument/2006/customXml" ds:itemID="{E12B114C-EB44-46E6-930B-B69E30F6F9AE}">
+  <ds:schemaRefs>
+    <ds:schemaRef ds:uri="http://schemas.microsoft.com/sharepoint/v3/contenttype/forms"/>
   </ds:schemaRefs>
 </ds:datastoreItem>
 </file>

--- a/MONITORAMENTO/Documentação/PPTs/Cold Stock Apresentação - Sprint 3.pptx
+++ b/MONITORAMENTO/Documentação/PPTs/Cold Stock Apresentação - Sprint 3.pptx
@@ -262,7 +262,7 @@
           <a:p>
             <a:fld id="{47278C1A-96D6-4232-9F36-8FBD0594C554}" type="datetimeFigureOut">
               <a:rPr lang="pt-BR" smtClean="0"/>
-              <a:t>14/12/2020</a:t>
+              <a:t>15/12/2020</a:t>
             </a:fld>
             <a:endParaRPr lang="pt-BR"/>
           </a:p>
@@ -304,7 +304,7 @@
           <a:p>
             <a:fld id="{26DF22C3-F9EA-40C4-AB4C-A1C88679FAB8}" type="slidenum">
               <a:rPr lang="pt-BR" smtClean="0"/>
-              <a:t>‹#›</a:t>
+              <a:t>‹nº›</a:t>
             </a:fld>
             <a:endParaRPr lang="pt-BR"/>
           </a:p>
@@ -430,7 +430,7 @@
           <a:p>
             <a:fld id="{47278C1A-96D6-4232-9F36-8FBD0594C554}" type="datetimeFigureOut">
               <a:rPr lang="pt-BR" smtClean="0"/>
-              <a:t>14/12/2020</a:t>
+              <a:t>15/12/2020</a:t>
             </a:fld>
             <a:endParaRPr lang="pt-BR"/>
           </a:p>
@@ -472,7 +472,7 @@
           <a:p>
             <a:fld id="{26DF22C3-F9EA-40C4-AB4C-A1C88679FAB8}" type="slidenum">
               <a:rPr lang="pt-BR" smtClean="0"/>
-              <a:t>‹#›</a:t>
+              <a:t>‹nº›</a:t>
             </a:fld>
             <a:endParaRPr lang="pt-BR"/>
           </a:p>
@@ -608,7 +608,7 @@
           <a:p>
             <a:fld id="{47278C1A-96D6-4232-9F36-8FBD0594C554}" type="datetimeFigureOut">
               <a:rPr lang="pt-BR" smtClean="0"/>
-              <a:t>14/12/2020</a:t>
+              <a:t>15/12/2020</a:t>
             </a:fld>
             <a:endParaRPr lang="pt-BR"/>
           </a:p>
@@ -650,7 +650,7 @@
           <a:p>
             <a:fld id="{26DF22C3-F9EA-40C4-AB4C-A1C88679FAB8}" type="slidenum">
               <a:rPr lang="pt-BR" smtClean="0"/>
-              <a:t>‹#›</a:t>
+              <a:t>‹nº›</a:t>
             </a:fld>
             <a:endParaRPr lang="pt-BR"/>
           </a:p>
@@ -776,7 +776,7 @@
           <a:p>
             <a:fld id="{47278C1A-96D6-4232-9F36-8FBD0594C554}" type="datetimeFigureOut">
               <a:rPr lang="pt-BR" smtClean="0"/>
-              <a:t>14/12/2020</a:t>
+              <a:t>15/12/2020</a:t>
             </a:fld>
             <a:endParaRPr lang="pt-BR"/>
           </a:p>
@@ -818,7 +818,7 @@
           <a:p>
             <a:fld id="{26DF22C3-F9EA-40C4-AB4C-A1C88679FAB8}" type="slidenum">
               <a:rPr lang="pt-BR" smtClean="0"/>
-              <a:t>‹#›</a:t>
+              <a:t>‹nº›</a:t>
             </a:fld>
             <a:endParaRPr lang="pt-BR"/>
           </a:p>
@@ -1021,7 +1021,7 @@
           <a:p>
             <a:fld id="{47278C1A-96D6-4232-9F36-8FBD0594C554}" type="datetimeFigureOut">
               <a:rPr lang="pt-BR" smtClean="0"/>
-              <a:t>14/12/2020</a:t>
+              <a:t>15/12/2020</a:t>
             </a:fld>
             <a:endParaRPr lang="pt-BR"/>
           </a:p>
@@ -1063,7 +1063,7 @@
           <a:p>
             <a:fld id="{26DF22C3-F9EA-40C4-AB4C-A1C88679FAB8}" type="slidenum">
               <a:rPr lang="pt-BR" smtClean="0"/>
-              <a:t>‹#›</a:t>
+              <a:t>‹nº›</a:t>
             </a:fld>
             <a:endParaRPr lang="pt-BR"/>
           </a:p>
@@ -1250,7 +1250,7 @@
           <a:p>
             <a:fld id="{47278C1A-96D6-4232-9F36-8FBD0594C554}" type="datetimeFigureOut">
               <a:rPr lang="pt-BR" smtClean="0"/>
-              <a:t>14/12/2020</a:t>
+              <a:t>15/12/2020</a:t>
             </a:fld>
             <a:endParaRPr lang="pt-BR"/>
           </a:p>
@@ -1292,7 +1292,7 @@
           <a:p>
             <a:fld id="{26DF22C3-F9EA-40C4-AB4C-A1C88679FAB8}" type="slidenum">
               <a:rPr lang="pt-BR" smtClean="0"/>
-              <a:t>‹#›</a:t>
+              <a:t>‹nº›</a:t>
             </a:fld>
             <a:endParaRPr lang="pt-BR"/>
           </a:p>
@@ -1614,7 +1614,7 @@
           <a:p>
             <a:fld id="{47278C1A-96D6-4232-9F36-8FBD0594C554}" type="datetimeFigureOut">
               <a:rPr lang="pt-BR" smtClean="0"/>
-              <a:t>14/12/2020</a:t>
+              <a:t>15/12/2020</a:t>
             </a:fld>
             <a:endParaRPr lang="pt-BR"/>
           </a:p>
@@ -1656,7 +1656,7 @@
           <a:p>
             <a:fld id="{26DF22C3-F9EA-40C4-AB4C-A1C88679FAB8}" type="slidenum">
               <a:rPr lang="pt-BR" smtClean="0"/>
-              <a:t>‹#›</a:t>
+              <a:t>‹nº›</a:t>
             </a:fld>
             <a:endParaRPr lang="pt-BR"/>
           </a:p>
@@ -1731,7 +1731,7 @@
           <a:p>
             <a:fld id="{47278C1A-96D6-4232-9F36-8FBD0594C554}" type="datetimeFigureOut">
               <a:rPr lang="pt-BR" smtClean="0"/>
-              <a:t>14/12/2020</a:t>
+              <a:t>15/12/2020</a:t>
             </a:fld>
             <a:endParaRPr lang="pt-BR"/>
           </a:p>
@@ -1773,7 +1773,7 @@
           <a:p>
             <a:fld id="{26DF22C3-F9EA-40C4-AB4C-A1C88679FAB8}" type="slidenum">
               <a:rPr lang="pt-BR" smtClean="0"/>
-              <a:t>‹#›</a:t>
+              <a:t>‹nº›</a:t>
             </a:fld>
             <a:endParaRPr lang="pt-BR"/>
           </a:p>
@@ -1826,7 +1826,7 @@
           <a:p>
             <a:fld id="{47278C1A-96D6-4232-9F36-8FBD0594C554}" type="datetimeFigureOut">
               <a:rPr lang="pt-BR" smtClean="0"/>
-              <a:t>14/12/2020</a:t>
+              <a:t>15/12/2020</a:t>
             </a:fld>
             <a:endParaRPr lang="pt-BR"/>
           </a:p>
@@ -1868,7 +1868,7 @@
           <a:p>
             <a:fld id="{26DF22C3-F9EA-40C4-AB4C-A1C88679FAB8}" type="slidenum">
               <a:rPr lang="pt-BR" smtClean="0"/>
-              <a:t>‹#›</a:t>
+              <a:t>‹nº›</a:t>
             </a:fld>
             <a:endParaRPr lang="pt-BR"/>
           </a:p>
@@ -2101,7 +2101,7 @@
           <a:p>
             <a:fld id="{47278C1A-96D6-4232-9F36-8FBD0594C554}" type="datetimeFigureOut">
               <a:rPr lang="pt-BR" smtClean="0"/>
-              <a:t>14/12/2020</a:t>
+              <a:t>15/12/2020</a:t>
             </a:fld>
             <a:endParaRPr lang="pt-BR"/>
           </a:p>
@@ -2143,7 +2143,7 @@
           <a:p>
             <a:fld id="{26DF22C3-F9EA-40C4-AB4C-A1C88679FAB8}" type="slidenum">
               <a:rPr lang="pt-BR" smtClean="0"/>
-              <a:t>‹#›</a:t>
+              <a:t>‹nº›</a:t>
             </a:fld>
             <a:endParaRPr lang="pt-BR"/>
           </a:p>
@@ -2353,7 +2353,7 @@
           <a:p>
             <a:fld id="{47278C1A-96D6-4232-9F36-8FBD0594C554}" type="datetimeFigureOut">
               <a:rPr lang="pt-BR" smtClean="0"/>
-              <a:t>14/12/2020</a:t>
+              <a:t>15/12/2020</a:t>
             </a:fld>
             <a:endParaRPr lang="pt-BR"/>
           </a:p>
@@ -2395,7 +2395,7 @@
           <a:p>
             <a:fld id="{26DF22C3-F9EA-40C4-AB4C-A1C88679FAB8}" type="slidenum">
               <a:rPr lang="pt-BR" smtClean="0"/>
-              <a:t>‹#›</a:t>
+              <a:t>‹nº›</a:t>
             </a:fld>
             <a:endParaRPr lang="pt-BR"/>
           </a:p>
@@ -2564,7 +2564,7 @@
           <a:p>
             <a:fld id="{47278C1A-96D6-4232-9F36-8FBD0594C554}" type="datetimeFigureOut">
               <a:rPr lang="pt-BR" smtClean="0"/>
-              <a:t>14/12/2020</a:t>
+              <a:t>15/12/2020</a:t>
             </a:fld>
             <a:endParaRPr lang="pt-BR"/>
           </a:p>
@@ -2642,7 +2642,7 @@
           <a:p>
             <a:fld id="{26DF22C3-F9EA-40C4-AB4C-A1C88679FAB8}" type="slidenum">
               <a:rPr lang="pt-BR" smtClean="0"/>
-              <a:t>‹#›</a:t>
+              <a:t>‹nº›</a:t>
             </a:fld>
             <a:endParaRPr lang="pt-BR"/>
           </a:p>
@@ -13820,15 +13820,20 @@
           <p:nvPr/>
         </p:nvPicPr>
         <p:blipFill>
-          <a:blip r:embed="rId5"/>
-          <a:stretch>
-            <a:fillRect/>
-          </a:stretch>
+          <a:blip r:embed="rId5">
+            <a:extLst>
+              <a:ext uri="{28A0092B-C50C-407E-A947-70E740481C1C}">
+                <a14:useLocalDpi xmlns:a14="http://schemas.microsoft.com/office/drawing/2010/main" val="0"/>
+              </a:ext>
+            </a:extLst>
+          </a:blip>
+          <a:srcRect/>
+          <a:stretch/>
         </p:blipFill>
         <p:spPr>
           <a:xfrm>
-            <a:off x="2076450" y="1302201"/>
-            <a:ext cx="8039100" cy="5238750"/>
+            <a:off x="2076450" y="1551668"/>
+            <a:ext cx="8039100" cy="4739815"/>
           </a:xfrm>
           <a:prstGeom prst="rect">
             <a:avLst/>
@@ -39540,18 +39545,18 @@
 </file>
 
 <file path=customXml/item1.xml><?xml version="1.0" encoding="utf-8"?>
-<p:properties xmlns:p="http://schemas.microsoft.com/office/2006/metadata/properties" xmlns:xsi="http://www.w3.org/2001/XMLSchema-instance" xmlns:pc="http://schemas.microsoft.com/office/infopath/2007/PartnerControls">
-  <documentManagement/>
-</p:properties>
-</file>
-
-<file path=customXml/item2.xml><?xml version="1.0" encoding="utf-8"?>
 <?mso-contentType ?>
 <FormTemplates xmlns="http://schemas.microsoft.com/sharepoint/v3/contenttype/forms">
   <Display>DocumentLibraryForm</Display>
   <Edit>DocumentLibraryForm</Edit>
   <New>DocumentLibraryForm</New>
 </FormTemplates>
+</file>
+
+<file path=customXml/item2.xml><?xml version="1.0" encoding="utf-8"?>
+<p:properties xmlns:p="http://schemas.microsoft.com/office/2006/metadata/properties" xmlns:xsi="http://www.w3.org/2001/XMLSchema-instance" xmlns:pc="http://schemas.microsoft.com/office/infopath/2007/PartnerControls">
+  <documentManagement/>
+</p:properties>
 </file>
 
 <file path=customXml/item3.xml><?xml version="1.0" encoding="utf-8"?>
@@ -39752,6 +39757,14 @@
 </file>
 
 <file path=customXml/itemProps1.xml><?xml version="1.0" encoding="utf-8"?>
+<ds:datastoreItem xmlns:ds="http://schemas.openxmlformats.org/officeDocument/2006/customXml" ds:itemID="{E12B114C-EB44-46E6-930B-B69E30F6F9AE}">
+  <ds:schemaRefs>
+    <ds:schemaRef ds:uri="http://schemas.microsoft.com/sharepoint/v3/contenttype/forms"/>
+  </ds:schemaRefs>
+</ds:datastoreItem>
+</file>
+
+<file path=customXml/itemProps2.xml><?xml version="1.0" encoding="utf-8"?>
 <ds:datastoreItem xmlns:ds="http://schemas.openxmlformats.org/officeDocument/2006/customXml" ds:itemID="{7972C250-C430-4380-B8BD-02E395B67AF0}">
   <ds:schemaRefs>
     <ds:schemaRef ds:uri="http://purl.org/dc/dcmitype/"/>
@@ -39764,14 +39777,6 @@
     <ds:schemaRef ds:uri="86822d51-02f5-488a-80f3-0b621e7c317a"/>
     <ds:schemaRef ds:uri="1f168f81-3f83-4b33-9f0c-ec152bce3f98"/>
     <ds:schemaRef ds:uri="http://schemas.microsoft.com/office/2006/metadata/properties"/>
-  </ds:schemaRefs>
-</ds:datastoreItem>
-</file>
-
-<file path=customXml/itemProps2.xml><?xml version="1.0" encoding="utf-8"?>
-<ds:datastoreItem xmlns:ds="http://schemas.openxmlformats.org/officeDocument/2006/customXml" ds:itemID="{E12B114C-EB44-46E6-930B-B69E30F6F9AE}">
-  <ds:schemaRefs>
-    <ds:schemaRef ds:uri="http://schemas.microsoft.com/sharepoint/v3/contenttype/forms"/>
   </ds:schemaRefs>
 </ds:datastoreItem>
 </file>

--- a/MONITORAMENTO/Documentação/PPTs/Cold Stock Apresentação - Sprint 3.pptx
+++ b/MONITORAMENTO/Documentação/PPTs/Cold Stock Apresentação - Sprint 3.pptx
@@ -262,7 +262,7 @@
           <a:p>
             <a:fld id="{47278C1A-96D6-4232-9F36-8FBD0594C554}" type="datetimeFigureOut">
               <a:rPr lang="pt-BR" smtClean="0"/>
-              <a:t>15/12/2020</a:t>
+              <a:t>16/12/2020</a:t>
             </a:fld>
             <a:endParaRPr lang="pt-BR"/>
           </a:p>
@@ -304,7 +304,7 @@
           <a:p>
             <a:fld id="{26DF22C3-F9EA-40C4-AB4C-A1C88679FAB8}" type="slidenum">
               <a:rPr lang="pt-BR" smtClean="0"/>
-              <a:t>‹nº›</a:t>
+              <a:t>‹#›</a:t>
             </a:fld>
             <a:endParaRPr lang="pt-BR"/>
           </a:p>
@@ -430,7 +430,7 @@
           <a:p>
             <a:fld id="{47278C1A-96D6-4232-9F36-8FBD0594C554}" type="datetimeFigureOut">
               <a:rPr lang="pt-BR" smtClean="0"/>
-              <a:t>15/12/2020</a:t>
+              <a:t>16/12/2020</a:t>
             </a:fld>
             <a:endParaRPr lang="pt-BR"/>
           </a:p>
@@ -472,7 +472,7 @@
           <a:p>
             <a:fld id="{26DF22C3-F9EA-40C4-AB4C-A1C88679FAB8}" type="slidenum">
               <a:rPr lang="pt-BR" smtClean="0"/>
-              <a:t>‹nº›</a:t>
+              <a:t>‹#›</a:t>
             </a:fld>
             <a:endParaRPr lang="pt-BR"/>
           </a:p>
@@ -608,7 +608,7 @@
           <a:p>
             <a:fld id="{47278C1A-96D6-4232-9F36-8FBD0594C554}" type="datetimeFigureOut">
               <a:rPr lang="pt-BR" smtClean="0"/>
-              <a:t>15/12/2020</a:t>
+              <a:t>16/12/2020</a:t>
             </a:fld>
             <a:endParaRPr lang="pt-BR"/>
           </a:p>
@@ -650,7 +650,7 @@
           <a:p>
             <a:fld id="{26DF22C3-F9EA-40C4-AB4C-A1C88679FAB8}" type="slidenum">
               <a:rPr lang="pt-BR" smtClean="0"/>
-              <a:t>‹nº›</a:t>
+              <a:t>‹#›</a:t>
             </a:fld>
             <a:endParaRPr lang="pt-BR"/>
           </a:p>
@@ -776,7 +776,7 @@
           <a:p>
             <a:fld id="{47278C1A-96D6-4232-9F36-8FBD0594C554}" type="datetimeFigureOut">
               <a:rPr lang="pt-BR" smtClean="0"/>
-              <a:t>15/12/2020</a:t>
+              <a:t>16/12/2020</a:t>
             </a:fld>
             <a:endParaRPr lang="pt-BR"/>
           </a:p>
@@ -818,7 +818,7 @@
           <a:p>
             <a:fld id="{26DF22C3-F9EA-40C4-AB4C-A1C88679FAB8}" type="slidenum">
               <a:rPr lang="pt-BR" smtClean="0"/>
-              <a:t>‹nº›</a:t>
+              <a:t>‹#›</a:t>
             </a:fld>
             <a:endParaRPr lang="pt-BR"/>
           </a:p>
@@ -1021,7 +1021,7 @@
           <a:p>
             <a:fld id="{47278C1A-96D6-4232-9F36-8FBD0594C554}" type="datetimeFigureOut">
               <a:rPr lang="pt-BR" smtClean="0"/>
-              <a:t>15/12/2020</a:t>
+              <a:t>16/12/2020</a:t>
             </a:fld>
             <a:endParaRPr lang="pt-BR"/>
           </a:p>
@@ -1063,7 +1063,7 @@
           <a:p>
             <a:fld id="{26DF22C3-F9EA-40C4-AB4C-A1C88679FAB8}" type="slidenum">
               <a:rPr lang="pt-BR" smtClean="0"/>
-              <a:t>‹nº›</a:t>
+              <a:t>‹#›</a:t>
             </a:fld>
             <a:endParaRPr lang="pt-BR"/>
           </a:p>
@@ -1250,7 +1250,7 @@
           <a:p>
             <a:fld id="{47278C1A-96D6-4232-9F36-8FBD0594C554}" type="datetimeFigureOut">
               <a:rPr lang="pt-BR" smtClean="0"/>
-              <a:t>15/12/2020</a:t>
+              <a:t>16/12/2020</a:t>
             </a:fld>
             <a:endParaRPr lang="pt-BR"/>
           </a:p>
@@ -1292,7 +1292,7 @@
           <a:p>
             <a:fld id="{26DF22C3-F9EA-40C4-AB4C-A1C88679FAB8}" type="slidenum">
               <a:rPr lang="pt-BR" smtClean="0"/>
-              <a:t>‹nº›</a:t>
+              <a:t>‹#›</a:t>
             </a:fld>
             <a:endParaRPr lang="pt-BR"/>
           </a:p>
@@ -1614,7 +1614,7 @@
           <a:p>
             <a:fld id="{47278C1A-96D6-4232-9F36-8FBD0594C554}" type="datetimeFigureOut">
               <a:rPr lang="pt-BR" smtClean="0"/>
-              <a:t>15/12/2020</a:t>
+              <a:t>16/12/2020</a:t>
             </a:fld>
             <a:endParaRPr lang="pt-BR"/>
           </a:p>
@@ -1656,7 +1656,7 @@
           <a:p>
             <a:fld id="{26DF22C3-F9EA-40C4-AB4C-A1C88679FAB8}" type="slidenum">
               <a:rPr lang="pt-BR" smtClean="0"/>
-              <a:t>‹nº›</a:t>
+              <a:t>‹#›</a:t>
             </a:fld>
             <a:endParaRPr lang="pt-BR"/>
           </a:p>
@@ -1731,7 +1731,7 @@
           <a:p>
             <a:fld id="{47278C1A-96D6-4232-9F36-8FBD0594C554}" type="datetimeFigureOut">
               <a:rPr lang="pt-BR" smtClean="0"/>
-              <a:t>15/12/2020</a:t>
+              <a:t>16/12/2020</a:t>
             </a:fld>
             <a:endParaRPr lang="pt-BR"/>
           </a:p>
@@ -1773,7 +1773,7 @@
           <a:p>
             <a:fld id="{26DF22C3-F9EA-40C4-AB4C-A1C88679FAB8}" type="slidenum">
               <a:rPr lang="pt-BR" smtClean="0"/>
-              <a:t>‹nº›</a:t>
+              <a:t>‹#›</a:t>
             </a:fld>
             <a:endParaRPr lang="pt-BR"/>
           </a:p>
@@ -1826,7 +1826,7 @@
           <a:p>
             <a:fld id="{47278C1A-96D6-4232-9F36-8FBD0594C554}" type="datetimeFigureOut">
               <a:rPr lang="pt-BR" smtClean="0"/>
-              <a:t>15/12/2020</a:t>
+              <a:t>16/12/2020</a:t>
             </a:fld>
             <a:endParaRPr lang="pt-BR"/>
           </a:p>
@@ -1868,7 +1868,7 @@
           <a:p>
             <a:fld id="{26DF22C3-F9EA-40C4-AB4C-A1C88679FAB8}" type="slidenum">
               <a:rPr lang="pt-BR" smtClean="0"/>
-              <a:t>‹nº›</a:t>
+              <a:t>‹#›</a:t>
             </a:fld>
             <a:endParaRPr lang="pt-BR"/>
           </a:p>
@@ -2101,7 +2101,7 @@
           <a:p>
             <a:fld id="{47278C1A-96D6-4232-9F36-8FBD0594C554}" type="datetimeFigureOut">
               <a:rPr lang="pt-BR" smtClean="0"/>
-              <a:t>15/12/2020</a:t>
+              <a:t>16/12/2020</a:t>
             </a:fld>
             <a:endParaRPr lang="pt-BR"/>
           </a:p>
@@ -2143,7 +2143,7 @@
           <a:p>
             <a:fld id="{26DF22C3-F9EA-40C4-AB4C-A1C88679FAB8}" type="slidenum">
               <a:rPr lang="pt-BR" smtClean="0"/>
-              <a:t>‹nº›</a:t>
+              <a:t>‹#›</a:t>
             </a:fld>
             <a:endParaRPr lang="pt-BR"/>
           </a:p>
@@ -2353,7 +2353,7 @@
           <a:p>
             <a:fld id="{47278C1A-96D6-4232-9F36-8FBD0594C554}" type="datetimeFigureOut">
               <a:rPr lang="pt-BR" smtClean="0"/>
-              <a:t>15/12/2020</a:t>
+              <a:t>16/12/2020</a:t>
             </a:fld>
             <a:endParaRPr lang="pt-BR"/>
           </a:p>
@@ -2395,7 +2395,7 @@
           <a:p>
             <a:fld id="{26DF22C3-F9EA-40C4-AB4C-A1C88679FAB8}" type="slidenum">
               <a:rPr lang="pt-BR" smtClean="0"/>
-              <a:t>‹nº›</a:t>
+              <a:t>‹#›</a:t>
             </a:fld>
             <a:endParaRPr lang="pt-BR"/>
           </a:p>
@@ -2564,7 +2564,7 @@
           <a:p>
             <a:fld id="{47278C1A-96D6-4232-9F36-8FBD0594C554}" type="datetimeFigureOut">
               <a:rPr lang="pt-BR" smtClean="0"/>
-              <a:t>15/12/2020</a:t>
+              <a:t>16/12/2020</a:t>
             </a:fld>
             <a:endParaRPr lang="pt-BR"/>
           </a:p>
@@ -2642,7 +2642,7 @@
           <a:p>
             <a:fld id="{26DF22C3-F9EA-40C4-AB4C-A1C88679FAB8}" type="slidenum">
               <a:rPr lang="pt-BR" smtClean="0"/>
-              <a:t>‹nº›</a:t>
+              <a:t>‹#›</a:t>
             </a:fld>
             <a:endParaRPr lang="pt-BR"/>
           </a:p>
@@ -7899,7 +7899,7 @@
         </p:nvGrpSpPr>
         <p:grpSpPr>
           <a:xfrm>
-            <a:off x="717473" y="6917953"/>
+            <a:off x="886970" y="1426775"/>
             <a:ext cx="3413969" cy="5440519"/>
             <a:chOff x="717473" y="6917953"/>
             <a:chExt cx="3413969" cy="5440519"/>
@@ -8383,7 +8383,7 @@
         </p:nvGrpSpPr>
         <p:grpSpPr>
           <a:xfrm>
-            <a:off x="4410398" y="6917946"/>
+            <a:off x="4645202" y="1431561"/>
             <a:ext cx="3371203" cy="5440519"/>
             <a:chOff x="4410398" y="6917946"/>
             <a:chExt cx="3371203" cy="5440519"/>
@@ -8453,7 +8453,7 @@
               <a:lstStyle/>
               <a:p>
                 <a:pPr algn="ctr"/>
-                <a:endParaRPr lang="pt-BR"/>
+                <a:endParaRPr lang="pt-BR" dirty="0"/>
               </a:p>
             </p:txBody>
           </p:sp>
@@ -8867,7 +8867,7 @@
         </p:nvGrpSpPr>
         <p:grpSpPr>
           <a:xfrm>
-            <a:off x="8100797" y="6917949"/>
+            <a:off x="8360667" y="1434492"/>
             <a:ext cx="3371203" cy="5440519"/>
             <a:chOff x="8100797" y="6917949"/>
             <a:chExt cx="3371203" cy="5440519"/>
@@ -39545,18 +39545,18 @@
 </file>
 
 <file path=customXml/item1.xml><?xml version="1.0" encoding="utf-8"?>
+<p:properties xmlns:p="http://schemas.microsoft.com/office/2006/metadata/properties" xmlns:xsi="http://www.w3.org/2001/XMLSchema-instance" xmlns:pc="http://schemas.microsoft.com/office/infopath/2007/PartnerControls">
+  <documentManagement/>
+</p:properties>
+</file>
+
+<file path=customXml/item2.xml><?xml version="1.0" encoding="utf-8"?>
 <?mso-contentType ?>
 <FormTemplates xmlns="http://schemas.microsoft.com/sharepoint/v3/contenttype/forms">
   <Display>DocumentLibraryForm</Display>
   <Edit>DocumentLibraryForm</Edit>
   <New>DocumentLibraryForm</New>
 </FormTemplates>
-</file>
-
-<file path=customXml/item2.xml><?xml version="1.0" encoding="utf-8"?>
-<p:properties xmlns:p="http://schemas.microsoft.com/office/2006/metadata/properties" xmlns:xsi="http://www.w3.org/2001/XMLSchema-instance" xmlns:pc="http://schemas.microsoft.com/office/infopath/2007/PartnerControls">
-  <documentManagement/>
-</p:properties>
 </file>
 
 <file path=customXml/item3.xml><?xml version="1.0" encoding="utf-8"?>
@@ -39757,26 +39757,26 @@
 </file>
 
 <file path=customXml/itemProps1.xml><?xml version="1.0" encoding="utf-8"?>
-<ds:datastoreItem xmlns:ds="http://schemas.openxmlformats.org/officeDocument/2006/customXml" ds:itemID="{E12B114C-EB44-46E6-930B-B69E30F6F9AE}">
+<ds:datastoreItem xmlns:ds="http://schemas.openxmlformats.org/officeDocument/2006/customXml" ds:itemID="{7972C250-C430-4380-B8BD-02E395B67AF0}">
   <ds:schemaRefs>
-    <ds:schemaRef ds:uri="http://schemas.microsoft.com/sharepoint/v3/contenttype/forms"/>
+    <ds:schemaRef ds:uri="http://purl.org/dc/terms/"/>
+    <ds:schemaRef ds:uri="http://schemas.openxmlformats.org/package/2006/metadata/core-properties"/>
+    <ds:schemaRef ds:uri="http://purl.org/dc/dcmitype/"/>
+    <ds:schemaRef ds:uri="http://schemas.microsoft.com/office/infopath/2007/PartnerControls"/>
+    <ds:schemaRef ds:uri="86822d51-02f5-488a-80f3-0b621e7c317a"/>
+    <ds:schemaRef ds:uri="http://purl.org/dc/elements/1.1/"/>
+    <ds:schemaRef ds:uri="http://schemas.microsoft.com/office/2006/metadata/properties"/>
+    <ds:schemaRef ds:uri="http://schemas.microsoft.com/office/2006/documentManagement/types"/>
+    <ds:schemaRef ds:uri="1f168f81-3f83-4b33-9f0c-ec152bce3f98"/>
+    <ds:schemaRef ds:uri="http://www.w3.org/XML/1998/namespace"/>
   </ds:schemaRefs>
 </ds:datastoreItem>
 </file>
 
 <file path=customXml/itemProps2.xml><?xml version="1.0" encoding="utf-8"?>
-<ds:datastoreItem xmlns:ds="http://schemas.openxmlformats.org/officeDocument/2006/customXml" ds:itemID="{7972C250-C430-4380-B8BD-02E395B67AF0}">
+<ds:datastoreItem xmlns:ds="http://schemas.openxmlformats.org/officeDocument/2006/customXml" ds:itemID="{E12B114C-EB44-46E6-930B-B69E30F6F9AE}">
   <ds:schemaRefs>
-    <ds:schemaRef ds:uri="http://purl.org/dc/dcmitype/"/>
-    <ds:schemaRef ds:uri="http://purl.org/dc/terms/"/>
-    <ds:schemaRef ds:uri="http://schemas.openxmlformats.org/package/2006/metadata/core-properties"/>
-    <ds:schemaRef ds:uri="http://schemas.microsoft.com/office/2006/documentManagement/types"/>
-    <ds:schemaRef ds:uri="http://www.w3.org/XML/1998/namespace"/>
-    <ds:schemaRef ds:uri="http://schemas.microsoft.com/office/infopath/2007/PartnerControls"/>
-    <ds:schemaRef ds:uri="http://purl.org/dc/elements/1.1/"/>
-    <ds:schemaRef ds:uri="86822d51-02f5-488a-80f3-0b621e7c317a"/>
-    <ds:schemaRef ds:uri="1f168f81-3f83-4b33-9f0c-ec152bce3f98"/>
-    <ds:schemaRef ds:uri="http://schemas.microsoft.com/office/2006/metadata/properties"/>
+    <ds:schemaRef ds:uri="http://schemas.microsoft.com/sharepoint/v3/contenttype/forms"/>
   </ds:schemaRefs>
 </ds:datastoreItem>
 </file>
